--- a/documentation/Hubfx Presentation.pptx
+++ b/documentation/Hubfx Presentation.pptx
@@ -7688,7 +7688,7 @@
         <p:spPr>
           <a:xfrm>
             <a:off x="990600" y="5988023"/>
-            <a:ext cx="1599411" cy="369332"/>
+            <a:ext cx="1599411" cy="830997"/>
           </a:xfrm>
           <a:prstGeom prst="rect">
             <a:avLst/>
@@ -7702,8 +7702,16 @@
           <a:lstStyle/>
           <a:p>
             <a:r>
-              <a:rPr lang="en-CA" dirty="0"/>
-              <a:t>Scoped Effects</a:t>
+              <a:rPr lang="en-CA" sz="2400" b="1" dirty="0"/>
+              <a:t>Scoped</a:t>
+            </a:r>
+            <a:r>
+              <a:rPr lang="en-CA" sz="2400" dirty="0"/>
+              <a:t> </a:t>
+            </a:r>
+            <a:r>
+              <a:rPr lang="en-CA" sz="2400" b="1" dirty="0"/>
+              <a:t>Effects</a:t>
             </a:r>
           </a:p>
         </p:txBody>

--- a/documentation/Hubfx Presentation.pptx
+++ b/documentation/Hubfx Presentation.pptx
@@ -11,6 +11,8 @@
     <p:sldId id="259" r:id="rId5"/>
     <p:sldId id="260" r:id="rId6"/>
     <p:sldId id="261" r:id="rId7"/>
+    <p:sldId id="262" r:id="rId8"/>
+    <p:sldId id="263" r:id="rId9"/>
   </p:sldIdLst>
   <p:sldSz cx="12192000" cy="6858000"/>
   <p:notesSz cx="6858000" cy="9144000"/>
@@ -10808,9 +10810,9 @@
           <p:nvPr/>
         </p:nvCxnSpPr>
         <p:spPr>
-          <a:xfrm flipH="1">
-            <a:off x="2325550" y="2217230"/>
-            <a:ext cx="230285" cy="730153"/>
+          <a:xfrm>
+            <a:off x="2555835" y="2217230"/>
+            <a:ext cx="181806" cy="750786"/>
           </a:xfrm>
           <a:prstGeom prst="straightConnector1">
             <a:avLst/>
@@ -12400,6 +12402,3878 @@
     <p:extLst>
       <p:ext uri="{BB962C8B-B14F-4D97-AF65-F5344CB8AC3E}">
         <p14:creationId xmlns:p14="http://schemas.microsoft.com/office/powerpoint/2010/main" val="1696473284"/>
+      </p:ext>
+    </p:extLst>
+  </p:cSld>
+  <p:clrMapOvr>
+    <a:masterClrMapping/>
+  </p:clrMapOvr>
+</p:sld>
+</file>
+
+<file path=ppt/slides/slide7.xml><?xml version="1.0" encoding="utf-8"?>
+<p:sld xmlns:a="http://schemas.openxmlformats.org/drawingml/2006/main" xmlns:r="http://schemas.openxmlformats.org/officeDocument/2006/relationships" xmlns:p="http://schemas.openxmlformats.org/presentationml/2006/main">
+  <p:cSld>
+    <p:spTree>
+      <p:nvGrpSpPr>
+        <p:cNvPr id="1" name=""/>
+        <p:cNvGrpSpPr/>
+        <p:nvPr/>
+      </p:nvGrpSpPr>
+      <p:grpSpPr>
+        <a:xfrm>
+          <a:off x="0" y="0"/>
+          <a:ext cx="0" cy="0"/>
+          <a:chOff x="0" y="0"/>
+          <a:chExt cx="0" cy="0"/>
+        </a:xfrm>
+      </p:grpSpPr>
+      <p:cxnSp>
+        <p:nvCxnSpPr>
+          <p:cNvPr id="5" name="Straight Arrow Connector 4">
+            <a:extLst>
+              <a:ext uri="{FF2B5EF4-FFF2-40B4-BE49-F238E27FC236}">
+                <a16:creationId xmlns:a16="http://schemas.microsoft.com/office/drawing/2014/main" id="{4D57241C-FD8F-6E69-D1C7-1CEC88535E98}"/>
+              </a:ext>
+            </a:extLst>
+          </p:cNvPr>
+          <p:cNvCxnSpPr>
+            <a:cxnSpLocks/>
+            <a:endCxn id="7" idx="1"/>
+          </p:cNvCxnSpPr>
+          <p:nvPr/>
+        </p:nvCxnSpPr>
+        <p:spPr>
+          <a:xfrm>
+            <a:off x="669649" y="3459900"/>
+            <a:ext cx="9628505" cy="104710"/>
+          </a:xfrm>
+          <a:prstGeom prst="straightConnector1">
+            <a:avLst/>
+          </a:prstGeom>
+          <a:ln w="57150">
+            <a:tailEnd type="arrow"/>
+          </a:ln>
+        </p:spPr>
+        <p:style>
+          <a:lnRef idx="1">
+            <a:schemeClr val="accent1"/>
+          </a:lnRef>
+          <a:fillRef idx="0">
+            <a:schemeClr val="accent1"/>
+          </a:fillRef>
+          <a:effectRef idx="0">
+            <a:schemeClr val="accent1"/>
+          </a:effectRef>
+          <a:fontRef idx="minor">
+            <a:schemeClr val="tx1"/>
+          </a:fontRef>
+        </p:style>
+      </p:cxnSp>
+      <p:sp>
+        <p:nvSpPr>
+          <p:cNvPr id="7" name="Rectangle: Rounded Corners 6">
+            <a:extLst>
+              <a:ext uri="{FF2B5EF4-FFF2-40B4-BE49-F238E27FC236}">
+                <a16:creationId xmlns:a16="http://schemas.microsoft.com/office/drawing/2014/main" id="{5212D68A-7D3D-67A8-D6E8-310B59CC5D21}"/>
+              </a:ext>
+            </a:extLst>
+          </p:cNvPr>
+          <p:cNvSpPr/>
+          <p:nvPr/>
+        </p:nvSpPr>
+        <p:spPr>
+          <a:xfrm>
+            <a:off x="10298154" y="3166401"/>
+            <a:ext cx="1849120" cy="796417"/>
+          </a:xfrm>
+          <a:prstGeom prst="roundRect">
+            <a:avLst/>
+          </a:prstGeom>
+          <a:solidFill>
+            <a:schemeClr val="accent4">
+              <a:lumMod val="20000"/>
+              <a:lumOff val="80000"/>
+            </a:schemeClr>
+          </a:solidFill>
+        </p:spPr>
+        <p:style>
+          <a:lnRef idx="2">
+            <a:schemeClr val="accent1">
+              <a:shade val="15000"/>
+            </a:schemeClr>
+          </a:lnRef>
+          <a:fillRef idx="1">
+            <a:schemeClr val="accent1"/>
+          </a:fillRef>
+          <a:effectRef idx="0">
+            <a:schemeClr val="accent1"/>
+          </a:effectRef>
+          <a:fontRef idx="minor">
+            <a:schemeClr val="lt1"/>
+          </a:fontRef>
+        </p:style>
+        <p:txBody>
+          <a:bodyPr rtlCol="0" anchor="ctr"/>
+          <a:lstStyle/>
+          <a:p>
+            <a:pPr algn="ctr"/>
+            <a:r>
+              <a:rPr lang="en-CA" sz="2400" dirty="0">
+                <a:solidFill>
+                  <a:schemeClr val="tx1"/>
+                </a:solidFill>
+              </a:rPr>
+              <a:t>Store</a:t>
+            </a:r>
+          </a:p>
+        </p:txBody>
+      </p:sp>
+      <p:sp>
+        <p:nvSpPr>
+          <p:cNvPr id="16" name="Oval 15">
+            <a:extLst>
+              <a:ext uri="{FF2B5EF4-FFF2-40B4-BE49-F238E27FC236}">
+                <a16:creationId xmlns:a16="http://schemas.microsoft.com/office/drawing/2014/main" id="{2CFA347A-8CC0-A2A4-962B-390CE3D6DDA6}"/>
+              </a:ext>
+            </a:extLst>
+          </p:cNvPr>
+          <p:cNvSpPr/>
+          <p:nvPr/>
+        </p:nvSpPr>
+        <p:spPr>
+          <a:xfrm>
+            <a:off x="945874" y="1595229"/>
+            <a:ext cx="8864596" cy="5140517"/>
+          </a:xfrm>
+          <a:prstGeom prst="ellipse">
+            <a:avLst/>
+          </a:prstGeom>
+          <a:noFill/>
+          <a:ln w="38100">
+            <a:prstDash val="lgDash"/>
+          </a:ln>
+        </p:spPr>
+        <p:style>
+          <a:lnRef idx="2">
+            <a:schemeClr val="accent1">
+              <a:shade val="15000"/>
+            </a:schemeClr>
+          </a:lnRef>
+          <a:fillRef idx="1">
+            <a:schemeClr val="accent1"/>
+          </a:fillRef>
+          <a:effectRef idx="0">
+            <a:schemeClr val="accent1"/>
+          </a:effectRef>
+          <a:fontRef idx="minor">
+            <a:schemeClr val="lt1"/>
+          </a:fontRef>
+        </p:style>
+        <p:txBody>
+          <a:bodyPr rtlCol="0" anchor="ctr"/>
+          <a:lstStyle/>
+          <a:p>
+            <a:pPr algn="ctr"/>
+            <a:endParaRPr lang="en-CA"/>
+          </a:p>
+        </p:txBody>
+      </p:sp>
+      <p:sp>
+        <p:nvSpPr>
+          <p:cNvPr id="46" name="Arc 45">
+            <a:extLst>
+              <a:ext uri="{FF2B5EF4-FFF2-40B4-BE49-F238E27FC236}">
+                <a16:creationId xmlns:a16="http://schemas.microsoft.com/office/drawing/2014/main" id="{4F374159-6314-07C3-2498-1121918260E7}"/>
+              </a:ext>
+            </a:extLst>
+          </p:cNvPr>
+          <p:cNvSpPr/>
+          <p:nvPr/>
+        </p:nvSpPr>
+        <p:spPr>
+          <a:xfrm>
+            <a:off x="1535154" y="2670632"/>
+            <a:ext cx="8864596" cy="2359590"/>
+          </a:xfrm>
+          <a:prstGeom prst="arc">
+            <a:avLst>
+              <a:gd name="adj1" fmla="val 10853914"/>
+              <a:gd name="adj2" fmla="val 21373139"/>
+            </a:avLst>
+          </a:prstGeom>
+          <a:ln w="57150">
+            <a:solidFill>
+              <a:schemeClr val="accent6">
+                <a:lumMod val="40000"/>
+                <a:lumOff val="60000"/>
+              </a:schemeClr>
+            </a:solidFill>
+            <a:tailEnd type="arrow"/>
+          </a:ln>
+        </p:spPr>
+        <p:style>
+          <a:lnRef idx="1">
+            <a:schemeClr val="accent1"/>
+          </a:lnRef>
+          <a:fillRef idx="0">
+            <a:schemeClr val="accent1"/>
+          </a:fillRef>
+          <a:effectRef idx="0">
+            <a:schemeClr val="accent1"/>
+          </a:effectRef>
+          <a:fontRef idx="minor">
+            <a:schemeClr val="tx1"/>
+          </a:fontRef>
+        </p:style>
+        <p:txBody>
+          <a:bodyPr rtlCol="0" anchor="ctr"/>
+          <a:lstStyle/>
+          <a:p>
+            <a:pPr algn="ctr"/>
+            <a:endParaRPr lang="en-CA"/>
+          </a:p>
+        </p:txBody>
+      </p:sp>
+      <p:sp>
+        <p:nvSpPr>
+          <p:cNvPr id="20" name="Oval 19">
+            <a:extLst>
+              <a:ext uri="{FF2B5EF4-FFF2-40B4-BE49-F238E27FC236}">
+                <a16:creationId xmlns:a16="http://schemas.microsoft.com/office/drawing/2014/main" id="{E4B17F76-3B80-D873-6EFB-05AD9AFCA95D}"/>
+              </a:ext>
+            </a:extLst>
+          </p:cNvPr>
+          <p:cNvSpPr/>
+          <p:nvPr/>
+        </p:nvSpPr>
+        <p:spPr>
+          <a:xfrm>
+            <a:off x="9260078" y="3254939"/>
+            <a:ext cx="655495" cy="519017"/>
+          </a:xfrm>
+          <a:prstGeom prst="ellipse">
+            <a:avLst/>
+          </a:prstGeom>
+          <a:solidFill>
+            <a:schemeClr val="accent6">
+              <a:lumMod val="40000"/>
+              <a:lumOff val="60000"/>
+            </a:schemeClr>
+          </a:solidFill>
+        </p:spPr>
+        <p:style>
+          <a:lnRef idx="2">
+            <a:schemeClr val="accent1">
+              <a:shade val="15000"/>
+            </a:schemeClr>
+          </a:lnRef>
+          <a:fillRef idx="1">
+            <a:schemeClr val="accent1"/>
+          </a:fillRef>
+          <a:effectRef idx="0">
+            <a:schemeClr val="accent1"/>
+          </a:effectRef>
+          <a:fontRef idx="minor">
+            <a:schemeClr val="lt1"/>
+          </a:fontRef>
+        </p:style>
+        <p:txBody>
+          <a:bodyPr rtlCol="0" anchor="ctr"/>
+          <a:lstStyle/>
+          <a:p>
+            <a:pPr algn="ctr"/>
+            <a:endParaRPr lang="en-CA"/>
+          </a:p>
+        </p:txBody>
+      </p:sp>
+      <p:sp>
+        <p:nvSpPr>
+          <p:cNvPr id="22" name="Oval 21">
+            <a:extLst>
+              <a:ext uri="{FF2B5EF4-FFF2-40B4-BE49-F238E27FC236}">
+                <a16:creationId xmlns:a16="http://schemas.microsoft.com/office/drawing/2014/main" id="{96708280-E554-4562-82B4-51ACFAD4E9B9}"/>
+              </a:ext>
+            </a:extLst>
+          </p:cNvPr>
+          <p:cNvSpPr/>
+          <p:nvPr/>
+        </p:nvSpPr>
+        <p:spPr>
+          <a:xfrm>
+            <a:off x="7810975" y="2516858"/>
+            <a:ext cx="655495" cy="519017"/>
+          </a:xfrm>
+          <a:prstGeom prst="ellipse">
+            <a:avLst/>
+          </a:prstGeom>
+          <a:solidFill>
+            <a:srgbClr val="FFFF00"/>
+          </a:solidFill>
+        </p:spPr>
+        <p:style>
+          <a:lnRef idx="2">
+            <a:schemeClr val="accent1">
+              <a:shade val="15000"/>
+            </a:schemeClr>
+          </a:lnRef>
+          <a:fillRef idx="1">
+            <a:schemeClr val="accent1"/>
+          </a:fillRef>
+          <a:effectRef idx="0">
+            <a:schemeClr val="accent1"/>
+          </a:effectRef>
+          <a:fontRef idx="minor">
+            <a:schemeClr val="lt1"/>
+          </a:fontRef>
+        </p:style>
+        <p:txBody>
+          <a:bodyPr rtlCol="0" anchor="ctr"/>
+          <a:lstStyle/>
+          <a:p>
+            <a:pPr algn="ctr"/>
+            <a:endParaRPr lang="en-CA">
+              <a:solidFill>
+                <a:schemeClr val="tx1"/>
+              </a:solidFill>
+            </a:endParaRPr>
+          </a:p>
+        </p:txBody>
+      </p:sp>
+      <p:sp>
+        <p:nvSpPr>
+          <p:cNvPr id="27" name="Oval 26">
+            <a:extLst>
+              <a:ext uri="{FF2B5EF4-FFF2-40B4-BE49-F238E27FC236}">
+                <a16:creationId xmlns:a16="http://schemas.microsoft.com/office/drawing/2014/main" id="{514B41B0-4BF6-3B8F-6513-CDE036CFB98E}"/>
+              </a:ext>
+            </a:extLst>
+          </p:cNvPr>
+          <p:cNvSpPr/>
+          <p:nvPr/>
+        </p:nvSpPr>
+        <p:spPr>
+          <a:xfrm>
+            <a:off x="1712472" y="3242312"/>
+            <a:ext cx="655495" cy="519017"/>
+          </a:xfrm>
+          <a:prstGeom prst="ellipse">
+            <a:avLst/>
+          </a:prstGeom>
+          <a:solidFill>
+            <a:schemeClr val="accent2">
+              <a:alpha val="50000"/>
+            </a:schemeClr>
+          </a:solidFill>
+        </p:spPr>
+        <p:style>
+          <a:lnRef idx="2">
+            <a:schemeClr val="accent1">
+              <a:shade val="15000"/>
+            </a:schemeClr>
+          </a:lnRef>
+          <a:fillRef idx="1">
+            <a:schemeClr val="accent1"/>
+          </a:fillRef>
+          <a:effectRef idx="0">
+            <a:schemeClr val="accent1"/>
+          </a:effectRef>
+          <a:fontRef idx="minor">
+            <a:schemeClr val="lt1"/>
+          </a:fontRef>
+        </p:style>
+        <p:txBody>
+          <a:bodyPr rtlCol="0" anchor="ctr"/>
+          <a:lstStyle/>
+          <a:p>
+            <a:pPr algn="ctr"/>
+            <a:endParaRPr lang="en-CA"/>
+          </a:p>
+        </p:txBody>
+      </p:sp>
+      <p:sp>
+        <p:nvSpPr>
+          <p:cNvPr id="28" name="Oval 27">
+            <a:extLst>
+              <a:ext uri="{FF2B5EF4-FFF2-40B4-BE49-F238E27FC236}">
+                <a16:creationId xmlns:a16="http://schemas.microsoft.com/office/drawing/2014/main" id="{F4E3AD08-8E9F-7B85-0D10-C01DB2BE4B9A}"/>
+              </a:ext>
+            </a:extLst>
+          </p:cNvPr>
+          <p:cNvSpPr/>
+          <p:nvPr/>
+        </p:nvSpPr>
+        <p:spPr>
+          <a:xfrm>
+            <a:off x="1445292" y="3242355"/>
+            <a:ext cx="655495" cy="519017"/>
+          </a:xfrm>
+          <a:prstGeom prst="ellipse">
+            <a:avLst/>
+          </a:prstGeom>
+          <a:solidFill>
+            <a:schemeClr val="accent2">
+              <a:alpha val="50000"/>
+            </a:schemeClr>
+          </a:solidFill>
+        </p:spPr>
+        <p:style>
+          <a:lnRef idx="2">
+            <a:schemeClr val="accent1">
+              <a:shade val="15000"/>
+            </a:schemeClr>
+          </a:lnRef>
+          <a:fillRef idx="1">
+            <a:schemeClr val="accent1"/>
+          </a:fillRef>
+          <a:effectRef idx="0">
+            <a:schemeClr val="accent1"/>
+          </a:effectRef>
+          <a:fontRef idx="minor">
+            <a:schemeClr val="lt1"/>
+          </a:fontRef>
+        </p:style>
+        <p:txBody>
+          <a:bodyPr rtlCol="0" anchor="ctr"/>
+          <a:lstStyle/>
+          <a:p>
+            <a:pPr algn="ctr"/>
+            <a:endParaRPr lang="en-CA"/>
+          </a:p>
+        </p:txBody>
+      </p:sp>
+      <p:sp>
+        <p:nvSpPr>
+          <p:cNvPr id="33" name="Arc 32">
+            <a:extLst>
+              <a:ext uri="{FF2B5EF4-FFF2-40B4-BE49-F238E27FC236}">
+                <a16:creationId xmlns:a16="http://schemas.microsoft.com/office/drawing/2014/main" id="{332FFE7B-C361-FC63-030B-BFF9C1C84E71}"/>
+              </a:ext>
+            </a:extLst>
+          </p:cNvPr>
+          <p:cNvSpPr/>
+          <p:nvPr/>
+        </p:nvSpPr>
+        <p:spPr>
+          <a:xfrm flipV="1">
+            <a:off x="1535154" y="3068838"/>
+            <a:ext cx="8864596" cy="1279035"/>
+          </a:xfrm>
+          <a:prstGeom prst="arc">
+            <a:avLst>
+              <a:gd name="adj1" fmla="val 10769572"/>
+              <a:gd name="adj2" fmla="val 21479373"/>
+            </a:avLst>
+          </a:prstGeom>
+          <a:ln w="57150">
+            <a:solidFill>
+              <a:schemeClr val="accent2"/>
+            </a:solidFill>
+            <a:tailEnd type="arrow"/>
+          </a:ln>
+        </p:spPr>
+        <p:style>
+          <a:lnRef idx="1">
+            <a:schemeClr val="accent1"/>
+          </a:lnRef>
+          <a:fillRef idx="0">
+            <a:schemeClr val="accent1"/>
+          </a:fillRef>
+          <a:effectRef idx="0">
+            <a:schemeClr val="accent1"/>
+          </a:effectRef>
+          <a:fontRef idx="minor">
+            <a:schemeClr val="tx1"/>
+          </a:fontRef>
+        </p:style>
+        <p:txBody>
+          <a:bodyPr rtlCol="0" anchor="ctr"/>
+          <a:lstStyle/>
+          <a:p>
+            <a:pPr algn="ctr"/>
+            <a:endParaRPr lang="en-CA"/>
+          </a:p>
+        </p:txBody>
+      </p:sp>
+      <p:sp>
+        <p:nvSpPr>
+          <p:cNvPr id="35" name="Arc 34">
+            <a:extLst>
+              <a:ext uri="{FF2B5EF4-FFF2-40B4-BE49-F238E27FC236}">
+                <a16:creationId xmlns:a16="http://schemas.microsoft.com/office/drawing/2014/main" id="{219CA8B1-EBA7-F130-31B2-715D0FD356E4}"/>
+              </a:ext>
+            </a:extLst>
+          </p:cNvPr>
+          <p:cNvSpPr/>
+          <p:nvPr/>
+        </p:nvSpPr>
+        <p:spPr>
+          <a:xfrm flipV="1">
+            <a:off x="1567148" y="2246310"/>
+            <a:ext cx="8864596" cy="3245275"/>
+          </a:xfrm>
+          <a:prstGeom prst="arc">
+            <a:avLst>
+              <a:gd name="adj1" fmla="val 10769572"/>
+              <a:gd name="adj2" fmla="val 21561386"/>
+            </a:avLst>
+          </a:prstGeom>
+          <a:ln w="57150">
+            <a:solidFill>
+              <a:schemeClr val="accent2"/>
+            </a:solidFill>
+            <a:tailEnd type="arrow"/>
+          </a:ln>
+        </p:spPr>
+        <p:style>
+          <a:lnRef idx="1">
+            <a:schemeClr val="accent1"/>
+          </a:lnRef>
+          <a:fillRef idx="0">
+            <a:schemeClr val="accent1"/>
+          </a:fillRef>
+          <a:effectRef idx="0">
+            <a:schemeClr val="accent1"/>
+          </a:effectRef>
+          <a:fontRef idx="minor">
+            <a:schemeClr val="tx1"/>
+          </a:fontRef>
+        </p:style>
+        <p:txBody>
+          <a:bodyPr rtlCol="0" anchor="ctr"/>
+          <a:lstStyle/>
+          <a:p>
+            <a:pPr algn="ctr"/>
+            <a:endParaRPr lang="en-CA"/>
+          </a:p>
+        </p:txBody>
+      </p:sp>
+      <p:sp>
+        <p:nvSpPr>
+          <p:cNvPr id="37" name="Oval 36">
+            <a:extLst>
+              <a:ext uri="{FF2B5EF4-FFF2-40B4-BE49-F238E27FC236}">
+                <a16:creationId xmlns:a16="http://schemas.microsoft.com/office/drawing/2014/main" id="{F94D47E6-3E45-4D58-7C84-207FA05F9883}"/>
+              </a:ext>
+            </a:extLst>
+          </p:cNvPr>
+          <p:cNvSpPr/>
+          <p:nvPr/>
+        </p:nvSpPr>
+        <p:spPr>
+          <a:xfrm>
+            <a:off x="1889790" y="3251794"/>
+            <a:ext cx="655495" cy="519017"/>
+          </a:xfrm>
+          <a:prstGeom prst="ellipse">
+            <a:avLst/>
+          </a:prstGeom>
+          <a:solidFill>
+            <a:schemeClr val="accent6">
+              <a:lumMod val="40000"/>
+              <a:lumOff val="60000"/>
+              <a:alpha val="50000"/>
+            </a:schemeClr>
+          </a:solidFill>
+        </p:spPr>
+        <p:style>
+          <a:lnRef idx="2">
+            <a:schemeClr val="accent1">
+              <a:shade val="15000"/>
+            </a:schemeClr>
+          </a:lnRef>
+          <a:fillRef idx="1">
+            <a:schemeClr val="accent1"/>
+          </a:fillRef>
+          <a:effectRef idx="0">
+            <a:schemeClr val="accent1"/>
+          </a:effectRef>
+          <a:fontRef idx="minor">
+            <a:schemeClr val="lt1"/>
+          </a:fontRef>
+        </p:style>
+        <p:txBody>
+          <a:bodyPr rtlCol="0" anchor="ctr"/>
+          <a:lstStyle/>
+          <a:p>
+            <a:pPr algn="ctr"/>
+            <a:endParaRPr lang="en-CA"/>
+          </a:p>
+        </p:txBody>
+      </p:sp>
+      <p:sp>
+        <p:nvSpPr>
+          <p:cNvPr id="38" name="Oval 37">
+            <a:extLst>
+              <a:ext uri="{FF2B5EF4-FFF2-40B4-BE49-F238E27FC236}">
+                <a16:creationId xmlns:a16="http://schemas.microsoft.com/office/drawing/2014/main" id="{44639066-94DF-F17D-4DD8-5936189C1732}"/>
+              </a:ext>
+            </a:extLst>
+          </p:cNvPr>
+          <p:cNvSpPr/>
+          <p:nvPr/>
+        </p:nvSpPr>
+        <p:spPr>
+          <a:xfrm>
+            <a:off x="7291937" y="3298357"/>
+            <a:ext cx="655495" cy="519017"/>
+          </a:xfrm>
+          <a:prstGeom prst="ellipse">
+            <a:avLst/>
+          </a:prstGeom>
+          <a:solidFill>
+            <a:schemeClr val="accent2"/>
+          </a:solidFill>
+        </p:spPr>
+        <p:style>
+          <a:lnRef idx="2">
+            <a:schemeClr val="accent1">
+              <a:shade val="15000"/>
+            </a:schemeClr>
+          </a:lnRef>
+          <a:fillRef idx="1">
+            <a:schemeClr val="accent1"/>
+          </a:fillRef>
+          <a:effectRef idx="0">
+            <a:schemeClr val="accent1"/>
+          </a:effectRef>
+          <a:fontRef idx="minor">
+            <a:schemeClr val="lt1"/>
+          </a:fontRef>
+        </p:style>
+        <p:txBody>
+          <a:bodyPr rtlCol="0" anchor="ctr"/>
+          <a:lstStyle/>
+          <a:p>
+            <a:pPr algn="ctr"/>
+            <a:r>
+              <a:rPr lang="en-CA" sz="1200" dirty="0"/>
+              <a:t>id: 2</a:t>
+            </a:r>
+          </a:p>
+        </p:txBody>
+      </p:sp>
+      <p:sp>
+        <p:nvSpPr>
+          <p:cNvPr id="39" name="Oval 38">
+            <a:extLst>
+              <a:ext uri="{FF2B5EF4-FFF2-40B4-BE49-F238E27FC236}">
+                <a16:creationId xmlns:a16="http://schemas.microsoft.com/office/drawing/2014/main" id="{20446432-E406-C4A9-CD78-8064AF5BF0A6}"/>
+              </a:ext>
+            </a:extLst>
+          </p:cNvPr>
+          <p:cNvSpPr/>
+          <p:nvPr/>
+        </p:nvSpPr>
+        <p:spPr>
+          <a:xfrm>
+            <a:off x="8138723" y="3268629"/>
+            <a:ext cx="655495" cy="519017"/>
+          </a:xfrm>
+          <a:prstGeom prst="ellipse">
+            <a:avLst/>
+          </a:prstGeom>
+          <a:solidFill>
+            <a:schemeClr val="accent2"/>
+          </a:solidFill>
+        </p:spPr>
+        <p:style>
+          <a:lnRef idx="2">
+            <a:schemeClr val="accent1">
+              <a:shade val="15000"/>
+            </a:schemeClr>
+          </a:lnRef>
+          <a:fillRef idx="1">
+            <a:schemeClr val="accent1"/>
+          </a:fillRef>
+          <a:effectRef idx="0">
+            <a:schemeClr val="accent1"/>
+          </a:effectRef>
+          <a:fontRef idx="minor">
+            <a:schemeClr val="lt1"/>
+          </a:fontRef>
+        </p:style>
+        <p:txBody>
+          <a:bodyPr rtlCol="0" anchor="ctr"/>
+          <a:lstStyle/>
+          <a:p>
+            <a:pPr algn="ctr"/>
+            <a:r>
+              <a:rPr lang="en-CA" sz="1200" dirty="0"/>
+              <a:t>id: 1</a:t>
+            </a:r>
+          </a:p>
+        </p:txBody>
+      </p:sp>
+      <p:sp>
+        <p:nvSpPr>
+          <p:cNvPr id="44" name="Oval 43">
+            <a:extLst>
+              <a:ext uri="{FF2B5EF4-FFF2-40B4-BE49-F238E27FC236}">
+                <a16:creationId xmlns:a16="http://schemas.microsoft.com/office/drawing/2014/main" id="{6D1B5850-42F6-F016-38E9-79264A6AC1B4}"/>
+              </a:ext>
+            </a:extLst>
+          </p:cNvPr>
+          <p:cNvSpPr/>
+          <p:nvPr/>
+        </p:nvSpPr>
+        <p:spPr>
+          <a:xfrm>
+            <a:off x="5887399" y="4139505"/>
+            <a:ext cx="655495" cy="519017"/>
+          </a:xfrm>
+          <a:prstGeom prst="ellipse">
+            <a:avLst/>
+          </a:prstGeom>
+          <a:solidFill>
+            <a:schemeClr val="accent3">
+              <a:lumMod val="60000"/>
+              <a:lumOff val="40000"/>
+            </a:schemeClr>
+          </a:solidFill>
+        </p:spPr>
+        <p:style>
+          <a:lnRef idx="2">
+            <a:schemeClr val="accent1">
+              <a:shade val="15000"/>
+            </a:schemeClr>
+          </a:lnRef>
+          <a:fillRef idx="1">
+            <a:schemeClr val="accent1"/>
+          </a:fillRef>
+          <a:effectRef idx="0">
+            <a:schemeClr val="accent1"/>
+          </a:effectRef>
+          <a:fontRef idx="minor">
+            <a:schemeClr val="lt1"/>
+          </a:fontRef>
+        </p:style>
+        <p:txBody>
+          <a:bodyPr rtlCol="0" anchor="ctr"/>
+          <a:lstStyle/>
+          <a:p>
+            <a:pPr algn="ctr"/>
+            <a:r>
+              <a:rPr lang="en-CA" sz="1200"/>
+              <a:t>id: 1</a:t>
+            </a:r>
+            <a:endParaRPr lang="en-CA" sz="1200" dirty="0"/>
+          </a:p>
+        </p:txBody>
+      </p:sp>
+      <p:sp>
+        <p:nvSpPr>
+          <p:cNvPr id="47" name="Oval 46">
+            <a:extLst>
+              <a:ext uri="{FF2B5EF4-FFF2-40B4-BE49-F238E27FC236}">
+                <a16:creationId xmlns:a16="http://schemas.microsoft.com/office/drawing/2014/main" id="{2897976E-A03D-81E8-C241-49843C9B18AF}"/>
+              </a:ext>
+            </a:extLst>
+          </p:cNvPr>
+          <p:cNvSpPr/>
+          <p:nvPr/>
+        </p:nvSpPr>
+        <p:spPr>
+          <a:xfrm>
+            <a:off x="5639704" y="5297816"/>
+            <a:ext cx="655495" cy="519017"/>
+          </a:xfrm>
+          <a:prstGeom prst="ellipse">
+            <a:avLst/>
+          </a:prstGeom>
+          <a:solidFill>
+            <a:schemeClr val="accent3">
+              <a:lumMod val="60000"/>
+              <a:lumOff val="40000"/>
+            </a:schemeClr>
+          </a:solidFill>
+        </p:spPr>
+        <p:style>
+          <a:lnRef idx="2">
+            <a:schemeClr val="accent1">
+              <a:shade val="15000"/>
+            </a:schemeClr>
+          </a:lnRef>
+          <a:fillRef idx="1">
+            <a:schemeClr val="accent1"/>
+          </a:fillRef>
+          <a:effectRef idx="0">
+            <a:schemeClr val="accent1"/>
+          </a:effectRef>
+          <a:fontRef idx="minor">
+            <a:schemeClr val="lt1"/>
+          </a:fontRef>
+        </p:style>
+        <p:txBody>
+          <a:bodyPr rtlCol="0" anchor="ctr"/>
+          <a:lstStyle/>
+          <a:p>
+            <a:pPr algn="ctr"/>
+            <a:r>
+              <a:rPr lang="en-CA" sz="1200" dirty="0"/>
+              <a:t>id: 2</a:t>
+            </a:r>
+          </a:p>
+        </p:txBody>
+      </p:sp>
+      <p:sp>
+        <p:nvSpPr>
+          <p:cNvPr id="48" name="Oval 47">
+            <a:extLst>
+              <a:ext uri="{FF2B5EF4-FFF2-40B4-BE49-F238E27FC236}">
+                <a16:creationId xmlns:a16="http://schemas.microsoft.com/office/drawing/2014/main" id="{DB987F8C-D0E7-2922-A134-DC0FD8227A79}"/>
+              </a:ext>
+            </a:extLst>
+          </p:cNvPr>
+          <p:cNvSpPr/>
+          <p:nvPr/>
+        </p:nvSpPr>
+        <p:spPr>
+          <a:xfrm>
+            <a:off x="2438723" y="3886618"/>
+            <a:ext cx="655495" cy="519017"/>
+          </a:xfrm>
+          <a:prstGeom prst="ellipse">
+            <a:avLst/>
+          </a:prstGeom>
+          <a:solidFill>
+            <a:schemeClr val="accent2">
+              <a:alpha val="50000"/>
+            </a:schemeClr>
+          </a:solidFill>
+        </p:spPr>
+        <p:style>
+          <a:lnRef idx="2">
+            <a:schemeClr val="accent1">
+              <a:shade val="15000"/>
+            </a:schemeClr>
+          </a:lnRef>
+          <a:fillRef idx="1">
+            <a:schemeClr val="accent1"/>
+          </a:fillRef>
+          <a:effectRef idx="0">
+            <a:schemeClr val="accent1"/>
+          </a:effectRef>
+          <a:fontRef idx="minor">
+            <a:schemeClr val="lt1"/>
+          </a:fontRef>
+        </p:style>
+        <p:txBody>
+          <a:bodyPr rtlCol="0" anchor="ctr"/>
+          <a:lstStyle/>
+          <a:p>
+            <a:pPr algn="ctr"/>
+            <a:r>
+              <a:rPr lang="en-CA" sz="1200"/>
+              <a:t>id: 1</a:t>
+            </a:r>
+            <a:endParaRPr lang="en-CA" sz="1200" dirty="0"/>
+          </a:p>
+        </p:txBody>
+      </p:sp>
+      <p:sp>
+        <p:nvSpPr>
+          <p:cNvPr id="51" name="Oval 50">
+            <a:extLst>
+              <a:ext uri="{FF2B5EF4-FFF2-40B4-BE49-F238E27FC236}">
+                <a16:creationId xmlns:a16="http://schemas.microsoft.com/office/drawing/2014/main" id="{660D3C66-BD7B-081E-8232-73B6906D34D6}"/>
+              </a:ext>
+            </a:extLst>
+          </p:cNvPr>
+          <p:cNvSpPr/>
+          <p:nvPr/>
+        </p:nvSpPr>
+        <p:spPr>
+          <a:xfrm>
+            <a:off x="2265031" y="4673829"/>
+            <a:ext cx="655495" cy="519017"/>
+          </a:xfrm>
+          <a:prstGeom prst="ellipse">
+            <a:avLst/>
+          </a:prstGeom>
+          <a:solidFill>
+            <a:schemeClr val="accent2">
+              <a:alpha val="50000"/>
+            </a:schemeClr>
+          </a:solidFill>
+        </p:spPr>
+        <p:style>
+          <a:lnRef idx="2">
+            <a:schemeClr val="accent1">
+              <a:shade val="15000"/>
+            </a:schemeClr>
+          </a:lnRef>
+          <a:fillRef idx="1">
+            <a:schemeClr val="accent1"/>
+          </a:fillRef>
+          <a:effectRef idx="0">
+            <a:schemeClr val="accent1"/>
+          </a:effectRef>
+          <a:fontRef idx="minor">
+            <a:schemeClr val="lt1"/>
+          </a:fontRef>
+        </p:style>
+        <p:txBody>
+          <a:bodyPr rtlCol="0" anchor="ctr"/>
+          <a:lstStyle/>
+          <a:p>
+            <a:pPr algn="ctr"/>
+            <a:r>
+              <a:rPr lang="en-CA" sz="1200" dirty="0"/>
+              <a:t>id: 2</a:t>
+            </a:r>
+          </a:p>
+        </p:txBody>
+      </p:sp>
+      <p:sp>
+        <p:nvSpPr>
+          <p:cNvPr id="63" name="Oval 62">
+            <a:extLst>
+              <a:ext uri="{FF2B5EF4-FFF2-40B4-BE49-F238E27FC236}">
+                <a16:creationId xmlns:a16="http://schemas.microsoft.com/office/drawing/2014/main" id="{C64C7C22-606A-91A6-24C8-3BB1293FBFC9}"/>
+              </a:ext>
+            </a:extLst>
+          </p:cNvPr>
+          <p:cNvSpPr/>
+          <p:nvPr/>
+        </p:nvSpPr>
+        <p:spPr>
+          <a:xfrm>
+            <a:off x="2766470" y="2679101"/>
+            <a:ext cx="655495" cy="519017"/>
+          </a:xfrm>
+          <a:prstGeom prst="ellipse">
+            <a:avLst/>
+          </a:prstGeom>
+          <a:solidFill>
+            <a:schemeClr val="accent6">
+              <a:lumMod val="40000"/>
+              <a:lumOff val="60000"/>
+              <a:alpha val="50000"/>
+            </a:schemeClr>
+          </a:solidFill>
+        </p:spPr>
+        <p:style>
+          <a:lnRef idx="2">
+            <a:schemeClr val="accent1">
+              <a:shade val="15000"/>
+            </a:schemeClr>
+          </a:lnRef>
+          <a:fillRef idx="1">
+            <a:schemeClr val="accent1"/>
+          </a:fillRef>
+          <a:effectRef idx="0">
+            <a:schemeClr val="accent1"/>
+          </a:effectRef>
+          <a:fontRef idx="minor">
+            <a:schemeClr val="lt1"/>
+          </a:fontRef>
+        </p:style>
+        <p:txBody>
+          <a:bodyPr rtlCol="0" anchor="ctr"/>
+          <a:lstStyle/>
+          <a:p>
+            <a:pPr algn="ctr"/>
+            <a:endParaRPr lang="en-CA"/>
+          </a:p>
+        </p:txBody>
+      </p:sp>
+      <p:sp>
+        <p:nvSpPr>
+          <p:cNvPr id="6" name="TextBox 5">
+            <a:extLst>
+              <a:ext uri="{FF2B5EF4-FFF2-40B4-BE49-F238E27FC236}">
+                <a16:creationId xmlns:a16="http://schemas.microsoft.com/office/drawing/2014/main" id="{833F1BEE-FBF2-8F99-E15C-38331224FFF6}"/>
+              </a:ext>
+            </a:extLst>
+          </p:cNvPr>
+          <p:cNvSpPr txBox="1"/>
+          <p:nvPr/>
+        </p:nvSpPr>
+        <p:spPr>
+          <a:xfrm>
+            <a:off x="4123606" y="2503975"/>
+            <a:ext cx="3066095" cy="369332"/>
+          </a:xfrm>
+          <a:prstGeom prst="rect">
+            <a:avLst/>
+          </a:prstGeom>
+          <a:solidFill>
+            <a:schemeClr val="bg1"/>
+          </a:solidFill>
+          <a:ln>
+            <a:solidFill>
+              <a:schemeClr val="tx1"/>
+            </a:solidFill>
+          </a:ln>
+        </p:spPr>
+        <p:txBody>
+          <a:bodyPr wrap="square" rtlCol="0">
+            <a:spAutoFit/>
+          </a:bodyPr>
+          <a:lstStyle/>
+          <a:p>
+            <a:pPr algn="ctr"/>
+            <a:endParaRPr lang="en-CA" dirty="0"/>
+          </a:p>
+        </p:txBody>
+      </p:sp>
+      <p:sp>
+        <p:nvSpPr>
+          <p:cNvPr id="9" name="TextBox 8">
+            <a:extLst>
+              <a:ext uri="{FF2B5EF4-FFF2-40B4-BE49-F238E27FC236}">
+                <a16:creationId xmlns:a16="http://schemas.microsoft.com/office/drawing/2014/main" id="{A6282BC0-2988-CCA0-CD71-92DB2DFA6586}"/>
+              </a:ext>
+            </a:extLst>
+          </p:cNvPr>
+          <p:cNvSpPr txBox="1"/>
+          <p:nvPr/>
+        </p:nvSpPr>
+        <p:spPr>
+          <a:xfrm>
+            <a:off x="3576383" y="4133866"/>
+            <a:ext cx="2063321" cy="369332"/>
+          </a:xfrm>
+          <a:prstGeom prst="rect">
+            <a:avLst/>
+          </a:prstGeom>
+          <a:solidFill>
+            <a:schemeClr val="bg1"/>
+          </a:solidFill>
+          <a:ln>
+            <a:solidFill>
+              <a:schemeClr val="tx1"/>
+            </a:solidFill>
+          </a:ln>
+        </p:spPr>
+        <p:txBody>
+          <a:bodyPr wrap="square" rtlCol="0">
+            <a:spAutoFit/>
+          </a:bodyPr>
+          <a:lstStyle/>
+          <a:p>
+            <a:pPr algn="ctr"/>
+            <a:endParaRPr lang="en-CA" dirty="0"/>
+          </a:p>
+        </p:txBody>
+      </p:sp>
+      <p:sp>
+        <p:nvSpPr>
+          <p:cNvPr id="10" name="TextBox 9">
+            <a:extLst>
+              <a:ext uri="{FF2B5EF4-FFF2-40B4-BE49-F238E27FC236}">
+                <a16:creationId xmlns:a16="http://schemas.microsoft.com/office/drawing/2014/main" id="{16B7E7A7-69FF-4B87-93FD-91EDC2BD8C57}"/>
+              </a:ext>
+            </a:extLst>
+          </p:cNvPr>
+          <p:cNvSpPr txBox="1"/>
+          <p:nvPr/>
+        </p:nvSpPr>
+        <p:spPr>
+          <a:xfrm>
+            <a:off x="3421965" y="5092912"/>
+            <a:ext cx="1874629" cy="369332"/>
+          </a:xfrm>
+          <a:prstGeom prst="rect">
+            <a:avLst/>
+          </a:prstGeom>
+          <a:solidFill>
+            <a:schemeClr val="bg1"/>
+          </a:solidFill>
+          <a:ln>
+            <a:solidFill>
+              <a:schemeClr val="tx1"/>
+            </a:solidFill>
+          </a:ln>
+        </p:spPr>
+        <p:txBody>
+          <a:bodyPr wrap="square" rtlCol="0">
+            <a:spAutoFit/>
+          </a:bodyPr>
+          <a:lstStyle/>
+          <a:p>
+            <a:pPr algn="ctr"/>
+            <a:endParaRPr lang="en-CA" dirty="0"/>
+          </a:p>
+        </p:txBody>
+      </p:sp>
+      <p:sp>
+        <p:nvSpPr>
+          <p:cNvPr id="11" name="Arrow: Right 10">
+            <a:extLst>
+              <a:ext uri="{FF2B5EF4-FFF2-40B4-BE49-F238E27FC236}">
+                <a16:creationId xmlns:a16="http://schemas.microsoft.com/office/drawing/2014/main" id="{03F874BA-B7AE-B1CB-427E-E5118E469789}"/>
+              </a:ext>
+            </a:extLst>
+          </p:cNvPr>
+          <p:cNvSpPr/>
+          <p:nvPr/>
+        </p:nvSpPr>
+        <p:spPr>
+          <a:xfrm>
+            <a:off x="477079" y="717543"/>
+            <a:ext cx="10619960" cy="722361"/>
+          </a:xfrm>
+          <a:prstGeom prst="rightArrow">
+            <a:avLst/>
+          </a:prstGeom>
+          <a:solidFill>
+            <a:schemeClr val="accent1">
+              <a:lumMod val="60000"/>
+              <a:lumOff val="40000"/>
+            </a:schemeClr>
+          </a:solidFill>
+        </p:spPr>
+        <p:style>
+          <a:lnRef idx="2">
+            <a:schemeClr val="accent1">
+              <a:shade val="15000"/>
+            </a:schemeClr>
+          </a:lnRef>
+          <a:fillRef idx="1">
+            <a:schemeClr val="accent1"/>
+          </a:fillRef>
+          <a:effectRef idx="0">
+            <a:schemeClr val="accent1"/>
+          </a:effectRef>
+          <a:fontRef idx="minor">
+            <a:schemeClr val="lt1"/>
+          </a:fontRef>
+        </p:style>
+        <p:txBody>
+          <a:bodyPr rtlCol="0" anchor="ctr"/>
+          <a:lstStyle/>
+          <a:p>
+            <a:pPr algn="ctr"/>
+            <a:endParaRPr lang="en-CA"/>
+          </a:p>
+        </p:txBody>
+      </p:sp>
+    </p:spTree>
+    <p:extLst>
+      <p:ext uri="{BB962C8B-B14F-4D97-AF65-F5344CB8AC3E}">
+        <p14:creationId xmlns:p14="http://schemas.microsoft.com/office/powerpoint/2010/main" val="1472414885"/>
+      </p:ext>
+    </p:extLst>
+  </p:cSld>
+  <p:clrMapOvr>
+    <a:masterClrMapping/>
+  </p:clrMapOvr>
+</p:sld>
+</file>
+
+<file path=ppt/slides/slide8.xml><?xml version="1.0" encoding="utf-8"?>
+<p:sld xmlns:a="http://schemas.openxmlformats.org/drawingml/2006/main" xmlns:r="http://schemas.openxmlformats.org/officeDocument/2006/relationships" xmlns:p="http://schemas.openxmlformats.org/presentationml/2006/main">
+  <p:cSld>
+    <p:spTree>
+      <p:nvGrpSpPr>
+        <p:cNvPr id="1" name=""/>
+        <p:cNvGrpSpPr/>
+        <p:nvPr/>
+      </p:nvGrpSpPr>
+      <p:grpSpPr>
+        <a:xfrm>
+          <a:off x="0" y="0"/>
+          <a:ext cx="0" cy="0"/>
+          <a:chOff x="0" y="0"/>
+          <a:chExt cx="0" cy="0"/>
+        </a:xfrm>
+      </p:grpSpPr>
+      <p:sp>
+        <p:nvSpPr>
+          <p:cNvPr id="35" name="Arrow: Right 34">
+            <a:extLst>
+              <a:ext uri="{FF2B5EF4-FFF2-40B4-BE49-F238E27FC236}">
+                <a16:creationId xmlns:a16="http://schemas.microsoft.com/office/drawing/2014/main" id="{F4CDF1A7-41D4-BD40-BAE1-8B21164AF75F}"/>
+              </a:ext>
+            </a:extLst>
+          </p:cNvPr>
+          <p:cNvSpPr/>
+          <p:nvPr/>
+        </p:nvSpPr>
+        <p:spPr>
+          <a:xfrm>
+            <a:off x="1337024" y="211603"/>
+            <a:ext cx="9422085" cy="551067"/>
+          </a:xfrm>
+          <a:prstGeom prst="rightArrow">
+            <a:avLst/>
+          </a:prstGeom>
+          <a:solidFill>
+            <a:schemeClr val="accent1">
+              <a:lumMod val="60000"/>
+              <a:lumOff val="40000"/>
+            </a:schemeClr>
+          </a:solidFill>
+        </p:spPr>
+        <p:style>
+          <a:lnRef idx="2">
+            <a:schemeClr val="accent1">
+              <a:shade val="15000"/>
+            </a:schemeClr>
+          </a:lnRef>
+          <a:fillRef idx="1">
+            <a:schemeClr val="accent1"/>
+          </a:fillRef>
+          <a:effectRef idx="0">
+            <a:schemeClr val="accent1"/>
+          </a:effectRef>
+          <a:fontRef idx="minor">
+            <a:schemeClr val="lt1"/>
+          </a:fontRef>
+        </p:style>
+        <p:txBody>
+          <a:bodyPr rtlCol="0" anchor="ctr"/>
+          <a:lstStyle/>
+          <a:p>
+            <a:pPr algn="ctr"/>
+            <a:endParaRPr lang="en-CA"/>
+          </a:p>
+        </p:txBody>
+      </p:sp>
+      <p:sp>
+        <p:nvSpPr>
+          <p:cNvPr id="36" name="Rectangle 35">
+            <a:extLst>
+              <a:ext uri="{FF2B5EF4-FFF2-40B4-BE49-F238E27FC236}">
+                <a16:creationId xmlns:a16="http://schemas.microsoft.com/office/drawing/2014/main" id="{4E9F81B2-ED5E-FB5E-7246-AA04351F657B}"/>
+              </a:ext>
+            </a:extLst>
+          </p:cNvPr>
+          <p:cNvSpPr/>
+          <p:nvPr/>
+        </p:nvSpPr>
+        <p:spPr>
+          <a:xfrm>
+            <a:off x="532159" y="855593"/>
+            <a:ext cx="11341789" cy="5709202"/>
+          </a:xfrm>
+          <a:prstGeom prst="rect">
+            <a:avLst/>
+          </a:prstGeom>
+          <a:solidFill>
+            <a:schemeClr val="bg2"/>
+          </a:solidFill>
+        </p:spPr>
+        <p:style>
+          <a:lnRef idx="2">
+            <a:schemeClr val="accent1">
+              <a:shade val="15000"/>
+            </a:schemeClr>
+          </a:lnRef>
+          <a:fillRef idx="1">
+            <a:schemeClr val="accent1"/>
+          </a:fillRef>
+          <a:effectRef idx="0">
+            <a:schemeClr val="accent1"/>
+          </a:effectRef>
+          <a:fontRef idx="minor">
+            <a:schemeClr val="lt1"/>
+          </a:fontRef>
+        </p:style>
+        <p:txBody>
+          <a:bodyPr rtlCol="0" anchor="ctr"/>
+          <a:lstStyle/>
+          <a:p>
+            <a:pPr algn="ctr"/>
+            <a:endParaRPr lang="en-CA" dirty="0">
+              <a:ln w="0"/>
+              <a:solidFill>
+                <a:schemeClr val="tx1"/>
+              </a:solidFill>
+              <a:effectLst>
+                <a:outerShdw blurRad="38100" dist="19050" dir="2700000" algn="tl" rotWithShape="0">
+                  <a:schemeClr val="dk1">
+                    <a:alpha val="40000"/>
+                  </a:schemeClr>
+                </a:outerShdw>
+              </a:effectLst>
+            </a:endParaRPr>
+          </a:p>
+        </p:txBody>
+      </p:sp>
+      <p:sp>
+        <p:nvSpPr>
+          <p:cNvPr id="39" name="TextBox 38">
+            <a:extLst>
+              <a:ext uri="{FF2B5EF4-FFF2-40B4-BE49-F238E27FC236}">
+                <a16:creationId xmlns:a16="http://schemas.microsoft.com/office/drawing/2014/main" id="{284C7847-BB7A-1A06-B2F6-7FEF19213CCC}"/>
+              </a:ext>
+            </a:extLst>
+          </p:cNvPr>
+          <p:cNvSpPr txBox="1"/>
+          <p:nvPr/>
+        </p:nvSpPr>
+        <p:spPr>
+          <a:xfrm>
+            <a:off x="923437" y="961555"/>
+            <a:ext cx="702398" cy="369332"/>
+          </a:xfrm>
+          <a:prstGeom prst="rect">
+            <a:avLst/>
+          </a:prstGeom>
+          <a:noFill/>
+        </p:spPr>
+        <p:txBody>
+          <a:bodyPr wrap="square" rtlCol="0">
+            <a:spAutoFit/>
+          </a:bodyPr>
+          <a:lstStyle/>
+          <a:p>
+            <a:r>
+              <a:rPr lang="en-CA" dirty="0"/>
+              <a:t>App </a:t>
+            </a:r>
+          </a:p>
+        </p:txBody>
+      </p:sp>
+      <p:sp>
+        <p:nvSpPr>
+          <p:cNvPr id="42" name="Oval 41">
+            <a:extLst>
+              <a:ext uri="{FF2B5EF4-FFF2-40B4-BE49-F238E27FC236}">
+                <a16:creationId xmlns:a16="http://schemas.microsoft.com/office/drawing/2014/main" id="{66027289-49A4-7DA5-4301-0C78A5554495}"/>
+              </a:ext>
+            </a:extLst>
+          </p:cNvPr>
+          <p:cNvSpPr/>
+          <p:nvPr/>
+        </p:nvSpPr>
+        <p:spPr>
+          <a:xfrm>
+            <a:off x="1586927" y="956541"/>
+            <a:ext cx="702398" cy="327478"/>
+          </a:xfrm>
+          <a:prstGeom prst="ellipse">
+            <a:avLst/>
+          </a:prstGeom>
+          <a:noFill/>
+          <a:ln w="25400">
+            <a:prstDash val="sysDot"/>
+          </a:ln>
+        </p:spPr>
+        <p:style>
+          <a:lnRef idx="2">
+            <a:schemeClr val="accent1">
+              <a:shade val="15000"/>
+            </a:schemeClr>
+          </a:lnRef>
+          <a:fillRef idx="1">
+            <a:schemeClr val="accent1"/>
+          </a:fillRef>
+          <a:effectRef idx="0">
+            <a:schemeClr val="accent1"/>
+          </a:effectRef>
+          <a:fontRef idx="minor">
+            <a:schemeClr val="lt1"/>
+          </a:fontRef>
+        </p:style>
+        <p:txBody>
+          <a:bodyPr rtlCol="0" anchor="ctr"/>
+          <a:lstStyle/>
+          <a:p>
+            <a:pPr algn="ctr"/>
+            <a:endParaRPr lang="en-CA"/>
+          </a:p>
+        </p:txBody>
+      </p:sp>
+      <p:sp>
+        <p:nvSpPr>
+          <p:cNvPr id="43" name="Rectangle: Rounded Corners 42">
+            <a:extLst>
+              <a:ext uri="{FF2B5EF4-FFF2-40B4-BE49-F238E27FC236}">
+                <a16:creationId xmlns:a16="http://schemas.microsoft.com/office/drawing/2014/main" id="{B13A2A23-7575-BD40-4FA0-37373BCF16C8}"/>
+              </a:ext>
+            </a:extLst>
+          </p:cNvPr>
+          <p:cNvSpPr/>
+          <p:nvPr/>
+        </p:nvSpPr>
+        <p:spPr>
+          <a:xfrm>
+            <a:off x="2664002" y="914041"/>
+            <a:ext cx="840657" cy="402841"/>
+          </a:xfrm>
+          <a:prstGeom prst="roundRect">
+            <a:avLst/>
+          </a:prstGeom>
+          <a:solidFill>
+            <a:schemeClr val="accent4">
+              <a:lumMod val="20000"/>
+              <a:lumOff val="80000"/>
+            </a:schemeClr>
+          </a:solidFill>
+        </p:spPr>
+        <p:style>
+          <a:lnRef idx="2">
+            <a:schemeClr val="accent1">
+              <a:shade val="15000"/>
+            </a:schemeClr>
+          </a:lnRef>
+          <a:fillRef idx="1">
+            <a:schemeClr val="accent1"/>
+          </a:fillRef>
+          <a:effectRef idx="0">
+            <a:schemeClr val="accent1"/>
+          </a:effectRef>
+          <a:fontRef idx="minor">
+            <a:schemeClr val="lt1"/>
+          </a:fontRef>
+        </p:style>
+        <p:txBody>
+          <a:bodyPr rtlCol="0" anchor="ctr"/>
+          <a:lstStyle/>
+          <a:p>
+            <a:pPr algn="ctr"/>
+            <a:r>
+              <a:rPr lang="en-CA" sz="1200" dirty="0">
+                <a:solidFill>
+                  <a:schemeClr val="tx1"/>
+                </a:solidFill>
+              </a:rPr>
+              <a:t>Store</a:t>
+            </a:r>
+          </a:p>
+        </p:txBody>
+      </p:sp>
+      <p:sp>
+        <p:nvSpPr>
+          <p:cNvPr id="44" name="TextBox 43">
+            <a:extLst>
+              <a:ext uri="{FF2B5EF4-FFF2-40B4-BE49-F238E27FC236}">
+                <a16:creationId xmlns:a16="http://schemas.microsoft.com/office/drawing/2014/main" id="{CF072D3F-A871-E8DC-81C8-53FA28B35B8C}"/>
+              </a:ext>
+            </a:extLst>
+          </p:cNvPr>
+          <p:cNvSpPr txBox="1"/>
+          <p:nvPr/>
+        </p:nvSpPr>
+        <p:spPr>
+          <a:xfrm>
+            <a:off x="1714635" y="1002755"/>
+            <a:ext cx="513173" cy="276999"/>
+          </a:xfrm>
+          <a:prstGeom prst="rect">
+            <a:avLst/>
+          </a:prstGeom>
+          <a:noFill/>
+        </p:spPr>
+        <p:txBody>
+          <a:bodyPr wrap="square" rtlCol="0">
+            <a:spAutoFit/>
+          </a:bodyPr>
+          <a:lstStyle/>
+          <a:p>
+            <a:r>
+              <a:rPr lang="en-CA" sz="1200" dirty="0"/>
+              <a:t>Hub</a:t>
+            </a:r>
+          </a:p>
+        </p:txBody>
+      </p:sp>
+      <p:cxnSp>
+        <p:nvCxnSpPr>
+          <p:cNvPr id="46" name="Straight Arrow Connector 45">
+            <a:extLst>
+              <a:ext uri="{FF2B5EF4-FFF2-40B4-BE49-F238E27FC236}">
+                <a16:creationId xmlns:a16="http://schemas.microsoft.com/office/drawing/2014/main" id="{B69BA2D9-E1AC-B9CB-30C4-43E6960F765A}"/>
+              </a:ext>
+            </a:extLst>
+          </p:cNvPr>
+          <p:cNvCxnSpPr>
+            <a:cxnSpLocks/>
+            <a:stCxn id="42" idx="6"/>
+          </p:cNvCxnSpPr>
+          <p:nvPr/>
+        </p:nvCxnSpPr>
+        <p:spPr>
+          <a:xfrm>
+            <a:off x="2289325" y="1120280"/>
+            <a:ext cx="374677" cy="20927"/>
+          </a:xfrm>
+          <a:prstGeom prst="straightConnector1">
+            <a:avLst/>
+          </a:prstGeom>
+          <a:ln>
+            <a:solidFill>
+              <a:schemeClr val="tx1"/>
+            </a:solidFill>
+            <a:tailEnd type="triangle"/>
+          </a:ln>
+        </p:spPr>
+        <p:style>
+          <a:lnRef idx="1">
+            <a:schemeClr val="accent1"/>
+          </a:lnRef>
+          <a:fillRef idx="0">
+            <a:schemeClr val="accent1"/>
+          </a:fillRef>
+          <a:effectRef idx="0">
+            <a:schemeClr val="accent1"/>
+          </a:effectRef>
+          <a:fontRef idx="minor">
+            <a:schemeClr val="tx1"/>
+          </a:fontRef>
+        </p:style>
+      </p:cxnSp>
+      <p:sp>
+        <p:nvSpPr>
+          <p:cNvPr id="47" name="Rectangle 46">
+            <a:extLst>
+              <a:ext uri="{FF2B5EF4-FFF2-40B4-BE49-F238E27FC236}">
+                <a16:creationId xmlns:a16="http://schemas.microsoft.com/office/drawing/2014/main" id="{B6F50E49-DD4E-BEE7-4AA9-94C7A428C186}"/>
+              </a:ext>
+            </a:extLst>
+          </p:cNvPr>
+          <p:cNvSpPr/>
+          <p:nvPr/>
+        </p:nvSpPr>
+        <p:spPr>
+          <a:xfrm>
+            <a:off x="1351933" y="1635253"/>
+            <a:ext cx="8673490" cy="4487543"/>
+          </a:xfrm>
+          <a:prstGeom prst="rect">
+            <a:avLst/>
+          </a:prstGeom>
+          <a:solidFill>
+            <a:schemeClr val="accent1">
+              <a:lumMod val="40000"/>
+              <a:lumOff val="60000"/>
+            </a:schemeClr>
+          </a:solidFill>
+        </p:spPr>
+        <p:style>
+          <a:lnRef idx="2">
+            <a:schemeClr val="accent1">
+              <a:shade val="15000"/>
+            </a:schemeClr>
+          </a:lnRef>
+          <a:fillRef idx="1">
+            <a:schemeClr val="accent1"/>
+          </a:fillRef>
+          <a:effectRef idx="0">
+            <a:schemeClr val="accent1"/>
+          </a:effectRef>
+          <a:fontRef idx="minor">
+            <a:schemeClr val="lt1"/>
+          </a:fontRef>
+        </p:style>
+        <p:txBody>
+          <a:bodyPr rtlCol="0" anchor="ctr"/>
+          <a:lstStyle/>
+          <a:p>
+            <a:pPr algn="ctr"/>
+            <a:endParaRPr lang="en-CA" dirty="0"/>
+          </a:p>
+        </p:txBody>
+      </p:sp>
+      <p:sp>
+        <p:nvSpPr>
+          <p:cNvPr id="48" name="TextBox 47">
+            <a:extLst>
+              <a:ext uri="{FF2B5EF4-FFF2-40B4-BE49-F238E27FC236}">
+                <a16:creationId xmlns:a16="http://schemas.microsoft.com/office/drawing/2014/main" id="{491DBD34-72FD-CFE6-AA6E-67D71BC4D332}"/>
+              </a:ext>
+            </a:extLst>
+          </p:cNvPr>
+          <p:cNvSpPr txBox="1"/>
+          <p:nvPr/>
+        </p:nvSpPr>
+        <p:spPr>
+          <a:xfrm>
+            <a:off x="1351933" y="1597772"/>
+            <a:ext cx="938928" cy="461665"/>
+          </a:xfrm>
+          <a:prstGeom prst="rect">
+            <a:avLst/>
+          </a:prstGeom>
+          <a:noFill/>
+        </p:spPr>
+        <p:txBody>
+          <a:bodyPr wrap="square" rtlCol="0">
+            <a:spAutoFit/>
+          </a:bodyPr>
+          <a:lstStyle/>
+          <a:p>
+            <a:r>
+              <a:rPr lang="en-CA" sz="1200" dirty="0"/>
+              <a:t>Component</a:t>
+            </a:r>
+          </a:p>
+          <a:p>
+            <a:endParaRPr lang="en-CA" sz="1200" dirty="0"/>
+          </a:p>
+        </p:txBody>
+      </p:sp>
+      <p:sp>
+        <p:nvSpPr>
+          <p:cNvPr id="49" name="Rectangle: Rounded Corners 48">
+            <a:extLst>
+              <a:ext uri="{FF2B5EF4-FFF2-40B4-BE49-F238E27FC236}">
+                <a16:creationId xmlns:a16="http://schemas.microsoft.com/office/drawing/2014/main" id="{7CF8F74B-E6C9-B76F-22A5-7B529827E8DC}"/>
+              </a:ext>
+            </a:extLst>
+          </p:cNvPr>
+          <p:cNvSpPr/>
+          <p:nvPr/>
+        </p:nvSpPr>
+        <p:spPr>
+          <a:xfrm>
+            <a:off x="2542558" y="1824932"/>
+            <a:ext cx="840657" cy="402841"/>
+          </a:xfrm>
+          <a:prstGeom prst="roundRect">
+            <a:avLst/>
+          </a:prstGeom>
+          <a:solidFill>
+            <a:schemeClr val="accent4">
+              <a:lumMod val="20000"/>
+              <a:lumOff val="80000"/>
+            </a:schemeClr>
+          </a:solidFill>
+        </p:spPr>
+        <p:style>
+          <a:lnRef idx="2">
+            <a:schemeClr val="accent1">
+              <a:shade val="15000"/>
+            </a:schemeClr>
+          </a:lnRef>
+          <a:fillRef idx="1">
+            <a:schemeClr val="accent1"/>
+          </a:fillRef>
+          <a:effectRef idx="0">
+            <a:schemeClr val="accent1"/>
+          </a:effectRef>
+          <a:fontRef idx="minor">
+            <a:schemeClr val="lt1"/>
+          </a:fontRef>
+        </p:style>
+        <p:txBody>
+          <a:bodyPr rtlCol="0" anchor="ctr"/>
+          <a:lstStyle/>
+          <a:p>
+            <a:pPr algn="ctr"/>
+            <a:r>
+              <a:rPr lang="en-CA" sz="1200" dirty="0">
+                <a:solidFill>
+                  <a:schemeClr val="tx1"/>
+                </a:solidFill>
+              </a:rPr>
+              <a:t>Store</a:t>
+            </a:r>
+          </a:p>
+        </p:txBody>
+      </p:sp>
+      <p:sp>
+        <p:nvSpPr>
+          <p:cNvPr id="52" name="TextBox 51">
+            <a:extLst>
+              <a:ext uri="{FF2B5EF4-FFF2-40B4-BE49-F238E27FC236}">
+                <a16:creationId xmlns:a16="http://schemas.microsoft.com/office/drawing/2014/main" id="{7A8BA164-412F-B434-99AC-118053971C63}"/>
+              </a:ext>
+            </a:extLst>
+          </p:cNvPr>
+          <p:cNvSpPr txBox="1"/>
+          <p:nvPr/>
+        </p:nvSpPr>
+        <p:spPr>
+          <a:xfrm>
+            <a:off x="1593191" y="1913646"/>
+            <a:ext cx="513173" cy="276999"/>
+          </a:xfrm>
+          <a:prstGeom prst="rect">
+            <a:avLst/>
+          </a:prstGeom>
+          <a:noFill/>
+        </p:spPr>
+        <p:txBody>
+          <a:bodyPr wrap="square" rtlCol="0">
+            <a:spAutoFit/>
+          </a:bodyPr>
+          <a:lstStyle/>
+          <a:p>
+            <a:r>
+              <a:rPr lang="en-CA" sz="1200" dirty="0"/>
+              <a:t>Hub</a:t>
+            </a:r>
+          </a:p>
+        </p:txBody>
+      </p:sp>
+      <p:cxnSp>
+        <p:nvCxnSpPr>
+          <p:cNvPr id="53" name="Straight Arrow Connector 52">
+            <a:extLst>
+              <a:ext uri="{FF2B5EF4-FFF2-40B4-BE49-F238E27FC236}">
+                <a16:creationId xmlns:a16="http://schemas.microsoft.com/office/drawing/2014/main" id="{85C26BD7-F3B0-CAB7-43B3-33A3A7FB3650}"/>
+              </a:ext>
+            </a:extLst>
+          </p:cNvPr>
+          <p:cNvCxnSpPr>
+            <a:cxnSpLocks/>
+          </p:cNvCxnSpPr>
+          <p:nvPr/>
+        </p:nvCxnSpPr>
+        <p:spPr>
+          <a:xfrm>
+            <a:off x="2163315" y="2052098"/>
+            <a:ext cx="381724" cy="0"/>
+          </a:xfrm>
+          <a:prstGeom prst="straightConnector1">
+            <a:avLst/>
+          </a:prstGeom>
+          <a:ln>
+            <a:solidFill>
+              <a:schemeClr val="tx1"/>
+            </a:solidFill>
+            <a:tailEnd type="triangle"/>
+          </a:ln>
+        </p:spPr>
+        <p:style>
+          <a:lnRef idx="1">
+            <a:schemeClr val="accent1"/>
+          </a:lnRef>
+          <a:fillRef idx="0">
+            <a:schemeClr val="accent1"/>
+          </a:fillRef>
+          <a:effectRef idx="0">
+            <a:schemeClr val="accent1"/>
+          </a:effectRef>
+          <a:fontRef idx="minor">
+            <a:schemeClr val="tx1"/>
+          </a:fontRef>
+        </p:style>
+      </p:cxnSp>
+      <p:sp>
+        <p:nvSpPr>
+          <p:cNvPr id="54" name="Oval 53">
+            <a:extLst>
+              <a:ext uri="{FF2B5EF4-FFF2-40B4-BE49-F238E27FC236}">
+                <a16:creationId xmlns:a16="http://schemas.microsoft.com/office/drawing/2014/main" id="{8D2DDA6F-E212-792B-0212-FC0A527BEBEF}"/>
+              </a:ext>
+            </a:extLst>
+          </p:cNvPr>
+          <p:cNvSpPr/>
+          <p:nvPr/>
+        </p:nvSpPr>
+        <p:spPr>
+          <a:xfrm>
+            <a:off x="1465483" y="1867430"/>
+            <a:ext cx="702398" cy="327478"/>
+          </a:xfrm>
+          <a:prstGeom prst="ellipse">
+            <a:avLst/>
+          </a:prstGeom>
+          <a:noFill/>
+          <a:ln w="25400">
+            <a:prstDash val="sysDot"/>
+          </a:ln>
+        </p:spPr>
+        <p:style>
+          <a:lnRef idx="2">
+            <a:schemeClr val="accent1">
+              <a:shade val="15000"/>
+            </a:schemeClr>
+          </a:lnRef>
+          <a:fillRef idx="1">
+            <a:schemeClr val="accent1"/>
+          </a:fillRef>
+          <a:effectRef idx="0">
+            <a:schemeClr val="accent1"/>
+          </a:effectRef>
+          <a:fontRef idx="minor">
+            <a:schemeClr val="lt1"/>
+          </a:fontRef>
+        </p:style>
+        <p:txBody>
+          <a:bodyPr rtlCol="0" anchor="ctr"/>
+          <a:lstStyle/>
+          <a:p>
+            <a:pPr algn="ctr"/>
+            <a:endParaRPr lang="en-CA"/>
+          </a:p>
+        </p:txBody>
+      </p:sp>
+      <p:sp>
+        <p:nvSpPr>
+          <p:cNvPr id="55" name="Rectangle 54">
+            <a:extLst>
+              <a:ext uri="{FF2B5EF4-FFF2-40B4-BE49-F238E27FC236}">
+                <a16:creationId xmlns:a16="http://schemas.microsoft.com/office/drawing/2014/main" id="{23090217-8C99-8BF6-869C-6F2756A8B2A6}"/>
+              </a:ext>
+            </a:extLst>
+          </p:cNvPr>
+          <p:cNvSpPr/>
+          <p:nvPr/>
+        </p:nvSpPr>
+        <p:spPr>
+          <a:xfrm>
+            <a:off x="1714636" y="2382926"/>
+            <a:ext cx="7658876" cy="3467908"/>
+          </a:xfrm>
+          <a:prstGeom prst="rect">
+            <a:avLst/>
+          </a:prstGeom>
+          <a:solidFill>
+            <a:schemeClr val="accent2">
+              <a:lumMod val="40000"/>
+              <a:lumOff val="60000"/>
+            </a:schemeClr>
+          </a:solidFill>
+        </p:spPr>
+        <p:style>
+          <a:lnRef idx="2">
+            <a:schemeClr val="accent1">
+              <a:shade val="15000"/>
+            </a:schemeClr>
+          </a:lnRef>
+          <a:fillRef idx="1">
+            <a:schemeClr val="accent1"/>
+          </a:fillRef>
+          <a:effectRef idx="0">
+            <a:schemeClr val="accent1"/>
+          </a:effectRef>
+          <a:fontRef idx="minor">
+            <a:schemeClr val="lt1"/>
+          </a:fontRef>
+        </p:style>
+        <p:txBody>
+          <a:bodyPr rtlCol="0" anchor="ctr"/>
+          <a:lstStyle/>
+          <a:p>
+            <a:pPr algn="ctr"/>
+            <a:endParaRPr lang="en-CA" dirty="0"/>
+          </a:p>
+        </p:txBody>
+      </p:sp>
+      <p:sp>
+        <p:nvSpPr>
+          <p:cNvPr id="56" name="TextBox 55">
+            <a:extLst>
+              <a:ext uri="{FF2B5EF4-FFF2-40B4-BE49-F238E27FC236}">
+                <a16:creationId xmlns:a16="http://schemas.microsoft.com/office/drawing/2014/main" id="{6668A07C-27F5-238D-C678-74B92F4102F3}"/>
+              </a:ext>
+            </a:extLst>
+          </p:cNvPr>
+          <p:cNvSpPr txBox="1"/>
+          <p:nvPr/>
+        </p:nvSpPr>
+        <p:spPr>
+          <a:xfrm>
+            <a:off x="1714636" y="2408949"/>
+            <a:ext cx="955576" cy="461665"/>
+          </a:xfrm>
+          <a:prstGeom prst="rect">
+            <a:avLst/>
+          </a:prstGeom>
+          <a:noFill/>
+        </p:spPr>
+        <p:txBody>
+          <a:bodyPr wrap="square" rtlCol="0">
+            <a:spAutoFit/>
+          </a:bodyPr>
+          <a:lstStyle/>
+          <a:p>
+            <a:r>
+              <a:rPr lang="en-CA" sz="1200" dirty="0"/>
+              <a:t>Component</a:t>
+            </a:r>
+          </a:p>
+          <a:p>
+            <a:endParaRPr lang="en-CA" sz="1200" dirty="0"/>
+          </a:p>
+        </p:txBody>
+      </p:sp>
+      <p:sp>
+        <p:nvSpPr>
+          <p:cNvPr id="57" name="Rectangle: Rounded Corners 56">
+            <a:extLst>
+              <a:ext uri="{FF2B5EF4-FFF2-40B4-BE49-F238E27FC236}">
+                <a16:creationId xmlns:a16="http://schemas.microsoft.com/office/drawing/2014/main" id="{F1671065-00EA-5156-4679-DB0B75919698}"/>
+              </a:ext>
+            </a:extLst>
+          </p:cNvPr>
+          <p:cNvSpPr/>
+          <p:nvPr/>
+        </p:nvSpPr>
+        <p:spPr>
+          <a:xfrm>
+            <a:off x="2906382" y="2518295"/>
+            <a:ext cx="840657" cy="402841"/>
+          </a:xfrm>
+          <a:prstGeom prst="roundRect">
+            <a:avLst/>
+          </a:prstGeom>
+          <a:solidFill>
+            <a:schemeClr val="accent4">
+              <a:lumMod val="20000"/>
+              <a:lumOff val="80000"/>
+            </a:schemeClr>
+          </a:solidFill>
+        </p:spPr>
+        <p:style>
+          <a:lnRef idx="2">
+            <a:schemeClr val="accent1">
+              <a:shade val="15000"/>
+            </a:schemeClr>
+          </a:lnRef>
+          <a:fillRef idx="1">
+            <a:schemeClr val="accent1"/>
+          </a:fillRef>
+          <a:effectRef idx="0">
+            <a:schemeClr val="accent1"/>
+          </a:effectRef>
+          <a:fontRef idx="minor">
+            <a:schemeClr val="lt1"/>
+          </a:fontRef>
+        </p:style>
+        <p:txBody>
+          <a:bodyPr rtlCol="0" anchor="ctr"/>
+          <a:lstStyle/>
+          <a:p>
+            <a:pPr algn="ctr"/>
+            <a:r>
+              <a:rPr lang="en-CA" sz="1200" dirty="0">
+                <a:solidFill>
+                  <a:schemeClr val="tx1"/>
+                </a:solidFill>
+              </a:rPr>
+              <a:t>Store</a:t>
+            </a:r>
+          </a:p>
+        </p:txBody>
+      </p:sp>
+      <p:sp>
+        <p:nvSpPr>
+          <p:cNvPr id="58" name="TextBox 57">
+            <a:extLst>
+              <a:ext uri="{FF2B5EF4-FFF2-40B4-BE49-F238E27FC236}">
+                <a16:creationId xmlns:a16="http://schemas.microsoft.com/office/drawing/2014/main" id="{4A25A646-B51D-C3AA-948E-D041EBE95734}"/>
+              </a:ext>
+            </a:extLst>
+          </p:cNvPr>
+          <p:cNvSpPr txBox="1"/>
+          <p:nvPr/>
+        </p:nvSpPr>
+        <p:spPr>
+          <a:xfrm>
+            <a:off x="1955894" y="2724823"/>
+            <a:ext cx="513173" cy="276999"/>
+          </a:xfrm>
+          <a:prstGeom prst="rect">
+            <a:avLst/>
+          </a:prstGeom>
+          <a:noFill/>
+        </p:spPr>
+        <p:txBody>
+          <a:bodyPr wrap="square" rtlCol="0">
+            <a:spAutoFit/>
+          </a:bodyPr>
+          <a:lstStyle/>
+          <a:p>
+            <a:r>
+              <a:rPr lang="en-CA" sz="1200" dirty="0"/>
+              <a:t>Hub</a:t>
+            </a:r>
+          </a:p>
+        </p:txBody>
+      </p:sp>
+      <p:sp>
+        <p:nvSpPr>
+          <p:cNvPr id="59" name="Oval 58">
+            <a:extLst>
+              <a:ext uri="{FF2B5EF4-FFF2-40B4-BE49-F238E27FC236}">
+                <a16:creationId xmlns:a16="http://schemas.microsoft.com/office/drawing/2014/main" id="{C471088D-2BFB-AEC1-942F-146F8F7F8817}"/>
+              </a:ext>
+            </a:extLst>
+          </p:cNvPr>
+          <p:cNvSpPr/>
+          <p:nvPr/>
+        </p:nvSpPr>
+        <p:spPr>
+          <a:xfrm>
+            <a:off x="1828186" y="2678607"/>
+            <a:ext cx="702398" cy="327478"/>
+          </a:xfrm>
+          <a:prstGeom prst="ellipse">
+            <a:avLst/>
+          </a:prstGeom>
+          <a:noFill/>
+          <a:ln w="25400">
+            <a:prstDash val="sysDot"/>
+          </a:ln>
+        </p:spPr>
+        <p:style>
+          <a:lnRef idx="2">
+            <a:schemeClr val="accent1">
+              <a:shade val="15000"/>
+            </a:schemeClr>
+          </a:lnRef>
+          <a:fillRef idx="1">
+            <a:schemeClr val="accent1"/>
+          </a:fillRef>
+          <a:effectRef idx="0">
+            <a:schemeClr val="accent1"/>
+          </a:effectRef>
+          <a:fontRef idx="minor">
+            <a:schemeClr val="lt1"/>
+          </a:fontRef>
+        </p:style>
+        <p:txBody>
+          <a:bodyPr rtlCol="0" anchor="ctr"/>
+          <a:lstStyle/>
+          <a:p>
+            <a:pPr algn="ctr"/>
+            <a:endParaRPr lang="en-CA"/>
+          </a:p>
+        </p:txBody>
+      </p:sp>
+      <p:cxnSp>
+        <p:nvCxnSpPr>
+          <p:cNvPr id="60" name="Straight Arrow Connector 59">
+            <a:extLst>
+              <a:ext uri="{FF2B5EF4-FFF2-40B4-BE49-F238E27FC236}">
+                <a16:creationId xmlns:a16="http://schemas.microsoft.com/office/drawing/2014/main" id="{499F1CD5-E951-8A48-7473-5AFA4ACEB390}"/>
+              </a:ext>
+            </a:extLst>
+          </p:cNvPr>
+          <p:cNvCxnSpPr>
+            <a:cxnSpLocks/>
+          </p:cNvCxnSpPr>
+          <p:nvPr/>
+        </p:nvCxnSpPr>
+        <p:spPr>
+          <a:xfrm flipV="1">
+            <a:off x="2542558" y="2849338"/>
+            <a:ext cx="366204" cy="21275"/>
+          </a:xfrm>
+          <a:prstGeom prst="straightConnector1">
+            <a:avLst/>
+          </a:prstGeom>
+          <a:ln>
+            <a:solidFill>
+              <a:schemeClr val="tx1"/>
+            </a:solidFill>
+            <a:tailEnd type="triangle"/>
+          </a:ln>
+        </p:spPr>
+        <p:style>
+          <a:lnRef idx="1">
+            <a:schemeClr val="accent1"/>
+          </a:lnRef>
+          <a:fillRef idx="0">
+            <a:schemeClr val="accent1"/>
+          </a:fillRef>
+          <a:effectRef idx="0">
+            <a:schemeClr val="accent1"/>
+          </a:effectRef>
+          <a:fontRef idx="minor">
+            <a:schemeClr val="tx1"/>
+          </a:fontRef>
+        </p:style>
+      </p:cxnSp>
+      <p:sp>
+        <p:nvSpPr>
+          <p:cNvPr id="61" name="Rectangle: Rounded Corners 60">
+            <a:extLst>
+              <a:ext uri="{FF2B5EF4-FFF2-40B4-BE49-F238E27FC236}">
+                <a16:creationId xmlns:a16="http://schemas.microsoft.com/office/drawing/2014/main" id="{9A089222-D92E-1967-083C-89116322B4A7}"/>
+              </a:ext>
+            </a:extLst>
+          </p:cNvPr>
+          <p:cNvSpPr/>
+          <p:nvPr/>
+        </p:nvSpPr>
+        <p:spPr>
+          <a:xfrm>
+            <a:off x="3842669" y="2516093"/>
+            <a:ext cx="840657" cy="402841"/>
+          </a:xfrm>
+          <a:prstGeom prst="roundRect">
+            <a:avLst/>
+          </a:prstGeom>
+          <a:solidFill>
+            <a:schemeClr val="accent4">
+              <a:lumMod val="20000"/>
+              <a:lumOff val="80000"/>
+            </a:schemeClr>
+          </a:solidFill>
+        </p:spPr>
+        <p:style>
+          <a:lnRef idx="2">
+            <a:schemeClr val="accent1">
+              <a:shade val="15000"/>
+            </a:schemeClr>
+          </a:lnRef>
+          <a:fillRef idx="1">
+            <a:schemeClr val="accent1"/>
+          </a:fillRef>
+          <a:effectRef idx="0">
+            <a:schemeClr val="accent1"/>
+          </a:effectRef>
+          <a:fontRef idx="minor">
+            <a:schemeClr val="lt1"/>
+          </a:fontRef>
+        </p:style>
+        <p:txBody>
+          <a:bodyPr rtlCol="0" anchor="ctr"/>
+          <a:lstStyle/>
+          <a:p>
+            <a:pPr algn="ctr"/>
+            <a:r>
+              <a:rPr lang="en-CA" sz="1200" dirty="0">
+                <a:solidFill>
+                  <a:schemeClr val="tx1"/>
+                </a:solidFill>
+              </a:rPr>
+              <a:t>Store</a:t>
+            </a:r>
+          </a:p>
+        </p:txBody>
+      </p:sp>
+      <p:cxnSp>
+        <p:nvCxnSpPr>
+          <p:cNvPr id="62" name="Straight Arrow Connector 61">
+            <a:extLst>
+              <a:ext uri="{FF2B5EF4-FFF2-40B4-BE49-F238E27FC236}">
+                <a16:creationId xmlns:a16="http://schemas.microsoft.com/office/drawing/2014/main" id="{ED51674F-90BE-B0BE-2EFD-E4788173D497}"/>
+              </a:ext>
+            </a:extLst>
+          </p:cNvPr>
+          <p:cNvCxnSpPr>
+            <a:cxnSpLocks/>
+            <a:endCxn id="61" idx="1"/>
+          </p:cNvCxnSpPr>
+          <p:nvPr/>
+        </p:nvCxnSpPr>
+        <p:spPr>
+          <a:xfrm flipV="1">
+            <a:off x="2542557" y="2717514"/>
+            <a:ext cx="1300112" cy="180884"/>
+          </a:xfrm>
+          <a:prstGeom prst="straightConnector1">
+            <a:avLst/>
+          </a:prstGeom>
+          <a:ln>
+            <a:solidFill>
+              <a:schemeClr val="tx1"/>
+            </a:solidFill>
+            <a:tailEnd type="triangle"/>
+          </a:ln>
+        </p:spPr>
+        <p:style>
+          <a:lnRef idx="1">
+            <a:schemeClr val="accent1"/>
+          </a:lnRef>
+          <a:fillRef idx="0">
+            <a:schemeClr val="accent1"/>
+          </a:fillRef>
+          <a:effectRef idx="0">
+            <a:schemeClr val="accent1"/>
+          </a:effectRef>
+          <a:fontRef idx="minor">
+            <a:schemeClr val="tx1"/>
+          </a:fontRef>
+        </p:style>
+      </p:cxnSp>
+      <p:sp>
+        <p:nvSpPr>
+          <p:cNvPr id="63" name="Rectangle 62">
+            <a:extLst>
+              <a:ext uri="{FF2B5EF4-FFF2-40B4-BE49-F238E27FC236}">
+                <a16:creationId xmlns:a16="http://schemas.microsoft.com/office/drawing/2014/main" id="{06EC1DC1-BB6D-7048-D07C-0054FE4B8C34}"/>
+              </a:ext>
+            </a:extLst>
+          </p:cNvPr>
+          <p:cNvSpPr/>
+          <p:nvPr/>
+        </p:nvSpPr>
+        <p:spPr>
+          <a:xfrm>
+            <a:off x="1869551" y="3249706"/>
+            <a:ext cx="2340062" cy="925141"/>
+          </a:xfrm>
+          <a:prstGeom prst="rect">
+            <a:avLst/>
+          </a:prstGeom>
+          <a:solidFill>
+            <a:schemeClr val="accent6">
+              <a:lumMod val="20000"/>
+              <a:lumOff val="80000"/>
+            </a:schemeClr>
+          </a:solidFill>
+        </p:spPr>
+        <p:style>
+          <a:lnRef idx="2">
+            <a:schemeClr val="accent1">
+              <a:shade val="15000"/>
+            </a:schemeClr>
+          </a:lnRef>
+          <a:fillRef idx="1">
+            <a:schemeClr val="accent1"/>
+          </a:fillRef>
+          <a:effectRef idx="0">
+            <a:schemeClr val="accent1"/>
+          </a:effectRef>
+          <a:fontRef idx="minor">
+            <a:schemeClr val="lt1"/>
+          </a:fontRef>
+        </p:style>
+        <p:txBody>
+          <a:bodyPr rtlCol="0" anchor="ctr"/>
+          <a:lstStyle/>
+          <a:p>
+            <a:pPr algn="ctr"/>
+            <a:endParaRPr lang="en-CA"/>
+          </a:p>
+        </p:txBody>
+      </p:sp>
+      <p:sp>
+        <p:nvSpPr>
+          <p:cNvPr id="64" name="TextBox 63">
+            <a:extLst>
+              <a:ext uri="{FF2B5EF4-FFF2-40B4-BE49-F238E27FC236}">
+                <a16:creationId xmlns:a16="http://schemas.microsoft.com/office/drawing/2014/main" id="{DDE7A942-44CC-89C5-A147-25768D216DF2}"/>
+              </a:ext>
+            </a:extLst>
+          </p:cNvPr>
+          <p:cNvSpPr txBox="1"/>
+          <p:nvPr/>
+        </p:nvSpPr>
+        <p:spPr>
+          <a:xfrm>
+            <a:off x="1885219" y="3285525"/>
+            <a:ext cx="955576" cy="461665"/>
+          </a:xfrm>
+          <a:prstGeom prst="rect">
+            <a:avLst/>
+          </a:prstGeom>
+          <a:noFill/>
+        </p:spPr>
+        <p:txBody>
+          <a:bodyPr wrap="square" rtlCol="0">
+            <a:spAutoFit/>
+          </a:bodyPr>
+          <a:lstStyle/>
+          <a:p>
+            <a:r>
+              <a:rPr lang="en-CA" sz="1200" dirty="0"/>
+              <a:t>Component</a:t>
+            </a:r>
+          </a:p>
+          <a:p>
+            <a:endParaRPr lang="en-CA" sz="1200" dirty="0"/>
+          </a:p>
+        </p:txBody>
+      </p:sp>
+      <p:sp>
+        <p:nvSpPr>
+          <p:cNvPr id="65" name="Rectangle: Rounded Corners 64">
+            <a:extLst>
+              <a:ext uri="{FF2B5EF4-FFF2-40B4-BE49-F238E27FC236}">
+                <a16:creationId xmlns:a16="http://schemas.microsoft.com/office/drawing/2014/main" id="{CC3C6843-5A22-06A0-EA2F-CF3C75D310BF}"/>
+              </a:ext>
+            </a:extLst>
+          </p:cNvPr>
+          <p:cNvSpPr/>
+          <p:nvPr/>
+        </p:nvSpPr>
+        <p:spPr>
+          <a:xfrm>
+            <a:off x="2005912" y="3602240"/>
+            <a:ext cx="840657" cy="402841"/>
+          </a:xfrm>
+          <a:prstGeom prst="roundRect">
+            <a:avLst/>
+          </a:prstGeom>
+          <a:solidFill>
+            <a:schemeClr val="accent4">
+              <a:lumMod val="20000"/>
+              <a:lumOff val="80000"/>
+            </a:schemeClr>
+          </a:solidFill>
+        </p:spPr>
+        <p:style>
+          <a:lnRef idx="2">
+            <a:schemeClr val="accent1">
+              <a:shade val="15000"/>
+            </a:schemeClr>
+          </a:lnRef>
+          <a:fillRef idx="1">
+            <a:schemeClr val="accent1"/>
+          </a:fillRef>
+          <a:effectRef idx="0">
+            <a:schemeClr val="accent1"/>
+          </a:effectRef>
+          <a:fontRef idx="minor">
+            <a:schemeClr val="lt1"/>
+          </a:fontRef>
+        </p:style>
+        <p:txBody>
+          <a:bodyPr rtlCol="0" anchor="ctr"/>
+          <a:lstStyle/>
+          <a:p>
+            <a:pPr algn="ctr"/>
+            <a:r>
+              <a:rPr lang="en-CA" sz="1200" dirty="0">
+                <a:solidFill>
+                  <a:schemeClr val="tx1"/>
+                </a:solidFill>
+              </a:rPr>
+              <a:t>Store</a:t>
+            </a:r>
+          </a:p>
+        </p:txBody>
+      </p:sp>
+      <p:cxnSp>
+        <p:nvCxnSpPr>
+          <p:cNvPr id="66" name="Straight Arrow Connector 65">
+            <a:extLst>
+              <a:ext uri="{FF2B5EF4-FFF2-40B4-BE49-F238E27FC236}">
+                <a16:creationId xmlns:a16="http://schemas.microsoft.com/office/drawing/2014/main" id="{DB134EB6-FC65-0003-927B-208FB870278C}"/>
+              </a:ext>
+            </a:extLst>
+          </p:cNvPr>
+          <p:cNvCxnSpPr>
+            <a:cxnSpLocks/>
+            <a:stCxn id="59" idx="6"/>
+          </p:cNvCxnSpPr>
+          <p:nvPr/>
+        </p:nvCxnSpPr>
+        <p:spPr>
+          <a:xfrm>
+            <a:off x="2530584" y="2842346"/>
+            <a:ext cx="177240" cy="771713"/>
+          </a:xfrm>
+          <a:prstGeom prst="straightConnector1">
+            <a:avLst/>
+          </a:prstGeom>
+          <a:ln>
+            <a:solidFill>
+              <a:schemeClr val="tx1"/>
+            </a:solidFill>
+            <a:tailEnd type="triangle"/>
+          </a:ln>
+        </p:spPr>
+        <p:style>
+          <a:lnRef idx="1">
+            <a:schemeClr val="accent1"/>
+          </a:lnRef>
+          <a:fillRef idx="0">
+            <a:schemeClr val="accent1"/>
+          </a:fillRef>
+          <a:effectRef idx="0">
+            <a:schemeClr val="accent1"/>
+          </a:effectRef>
+          <a:fontRef idx="minor">
+            <a:schemeClr val="tx1"/>
+          </a:fontRef>
+        </p:style>
+      </p:cxnSp>
+      <p:sp>
+        <p:nvSpPr>
+          <p:cNvPr id="67" name="Rectangle: Rounded Corners 66">
+            <a:extLst>
+              <a:ext uri="{FF2B5EF4-FFF2-40B4-BE49-F238E27FC236}">
+                <a16:creationId xmlns:a16="http://schemas.microsoft.com/office/drawing/2014/main" id="{7764926C-F1CC-FA8A-2036-51DA6E538098}"/>
+              </a:ext>
+            </a:extLst>
+          </p:cNvPr>
+          <p:cNvSpPr/>
+          <p:nvPr/>
+        </p:nvSpPr>
+        <p:spPr>
+          <a:xfrm>
+            <a:off x="2914982" y="3584814"/>
+            <a:ext cx="840657" cy="402841"/>
+          </a:xfrm>
+          <a:prstGeom prst="roundRect">
+            <a:avLst/>
+          </a:prstGeom>
+          <a:solidFill>
+            <a:schemeClr val="accent4">
+              <a:lumMod val="20000"/>
+              <a:lumOff val="80000"/>
+            </a:schemeClr>
+          </a:solidFill>
+        </p:spPr>
+        <p:style>
+          <a:lnRef idx="2">
+            <a:schemeClr val="accent1">
+              <a:shade val="15000"/>
+            </a:schemeClr>
+          </a:lnRef>
+          <a:fillRef idx="1">
+            <a:schemeClr val="accent1"/>
+          </a:fillRef>
+          <a:effectRef idx="0">
+            <a:schemeClr val="accent1"/>
+          </a:effectRef>
+          <a:fontRef idx="minor">
+            <a:schemeClr val="lt1"/>
+          </a:fontRef>
+        </p:style>
+        <p:txBody>
+          <a:bodyPr rtlCol="0" anchor="ctr"/>
+          <a:lstStyle/>
+          <a:p>
+            <a:pPr algn="ctr"/>
+            <a:r>
+              <a:rPr lang="en-CA" sz="1200" dirty="0">
+                <a:solidFill>
+                  <a:schemeClr val="tx1"/>
+                </a:solidFill>
+              </a:rPr>
+              <a:t>Store</a:t>
+            </a:r>
+          </a:p>
+        </p:txBody>
+      </p:sp>
+      <p:cxnSp>
+        <p:nvCxnSpPr>
+          <p:cNvPr id="68" name="Straight Arrow Connector 67">
+            <a:extLst>
+              <a:ext uri="{FF2B5EF4-FFF2-40B4-BE49-F238E27FC236}">
+                <a16:creationId xmlns:a16="http://schemas.microsoft.com/office/drawing/2014/main" id="{B1D447AB-D750-7771-66A6-6123EB8F9057}"/>
+              </a:ext>
+            </a:extLst>
+          </p:cNvPr>
+          <p:cNvCxnSpPr>
+            <a:cxnSpLocks/>
+          </p:cNvCxnSpPr>
+          <p:nvPr/>
+        </p:nvCxnSpPr>
+        <p:spPr>
+          <a:xfrm>
+            <a:off x="2530537" y="2949301"/>
+            <a:ext cx="435971" cy="589423"/>
+          </a:xfrm>
+          <a:prstGeom prst="straightConnector1">
+            <a:avLst/>
+          </a:prstGeom>
+          <a:ln>
+            <a:solidFill>
+              <a:schemeClr val="tx1"/>
+            </a:solidFill>
+            <a:tailEnd type="triangle"/>
+          </a:ln>
+        </p:spPr>
+        <p:style>
+          <a:lnRef idx="1">
+            <a:schemeClr val="accent1"/>
+          </a:lnRef>
+          <a:fillRef idx="0">
+            <a:schemeClr val="accent1"/>
+          </a:fillRef>
+          <a:effectRef idx="0">
+            <a:schemeClr val="accent1"/>
+          </a:effectRef>
+          <a:fontRef idx="minor">
+            <a:schemeClr val="tx1"/>
+          </a:fontRef>
+        </p:style>
+      </p:cxnSp>
+      <p:sp>
+        <p:nvSpPr>
+          <p:cNvPr id="69" name="Rectangle: Rounded Corners 68">
+            <a:extLst>
+              <a:ext uri="{FF2B5EF4-FFF2-40B4-BE49-F238E27FC236}">
+                <a16:creationId xmlns:a16="http://schemas.microsoft.com/office/drawing/2014/main" id="{6123F059-9747-63CB-CB34-F79899FF5954}"/>
+              </a:ext>
+            </a:extLst>
+          </p:cNvPr>
+          <p:cNvSpPr/>
+          <p:nvPr/>
+        </p:nvSpPr>
+        <p:spPr>
+          <a:xfrm>
+            <a:off x="3501483" y="1824930"/>
+            <a:ext cx="840657" cy="402841"/>
+          </a:xfrm>
+          <a:prstGeom prst="roundRect">
+            <a:avLst/>
+          </a:prstGeom>
+          <a:solidFill>
+            <a:schemeClr val="accent4">
+              <a:lumMod val="20000"/>
+              <a:lumOff val="80000"/>
+            </a:schemeClr>
+          </a:solidFill>
+        </p:spPr>
+        <p:style>
+          <a:lnRef idx="2">
+            <a:schemeClr val="accent1">
+              <a:shade val="15000"/>
+            </a:schemeClr>
+          </a:lnRef>
+          <a:fillRef idx="1">
+            <a:schemeClr val="accent1"/>
+          </a:fillRef>
+          <a:effectRef idx="0">
+            <a:schemeClr val="accent1"/>
+          </a:effectRef>
+          <a:fontRef idx="minor">
+            <a:schemeClr val="lt1"/>
+          </a:fontRef>
+        </p:style>
+        <p:txBody>
+          <a:bodyPr rtlCol="0" anchor="ctr"/>
+          <a:lstStyle/>
+          <a:p>
+            <a:pPr algn="ctr"/>
+            <a:r>
+              <a:rPr lang="en-CA" sz="1200" dirty="0">
+                <a:solidFill>
+                  <a:schemeClr val="tx1"/>
+                </a:solidFill>
+              </a:rPr>
+              <a:t>Store</a:t>
+            </a:r>
+          </a:p>
+        </p:txBody>
+      </p:sp>
+      <p:cxnSp>
+        <p:nvCxnSpPr>
+          <p:cNvPr id="70" name="Straight Arrow Connector 69">
+            <a:extLst>
+              <a:ext uri="{FF2B5EF4-FFF2-40B4-BE49-F238E27FC236}">
+                <a16:creationId xmlns:a16="http://schemas.microsoft.com/office/drawing/2014/main" id="{A36D089A-FC49-F148-C45B-B9345A6F0CD4}"/>
+              </a:ext>
+            </a:extLst>
+          </p:cNvPr>
+          <p:cNvCxnSpPr>
+            <a:cxnSpLocks/>
+          </p:cNvCxnSpPr>
+          <p:nvPr/>
+        </p:nvCxnSpPr>
+        <p:spPr>
+          <a:xfrm>
+            <a:off x="2284759" y="1201697"/>
+            <a:ext cx="1398593" cy="545401"/>
+          </a:xfrm>
+          <a:prstGeom prst="straightConnector1">
+            <a:avLst/>
+          </a:prstGeom>
+          <a:ln>
+            <a:solidFill>
+              <a:schemeClr val="tx1"/>
+            </a:solidFill>
+            <a:tailEnd type="triangle"/>
+          </a:ln>
+        </p:spPr>
+        <p:style>
+          <a:lnRef idx="1">
+            <a:schemeClr val="accent1"/>
+          </a:lnRef>
+          <a:fillRef idx="0">
+            <a:schemeClr val="accent1"/>
+          </a:fillRef>
+          <a:effectRef idx="0">
+            <a:schemeClr val="accent1"/>
+          </a:effectRef>
+          <a:fontRef idx="minor">
+            <a:schemeClr val="tx1"/>
+          </a:fontRef>
+        </p:style>
+      </p:cxnSp>
+      <p:sp>
+        <p:nvSpPr>
+          <p:cNvPr id="96" name="Rectangle 95">
+            <a:extLst>
+              <a:ext uri="{FF2B5EF4-FFF2-40B4-BE49-F238E27FC236}">
+                <a16:creationId xmlns:a16="http://schemas.microsoft.com/office/drawing/2014/main" id="{57C764B4-B114-CD5C-A9E2-CC9FBCDB9D82}"/>
+              </a:ext>
+            </a:extLst>
+          </p:cNvPr>
+          <p:cNvSpPr/>
+          <p:nvPr/>
+        </p:nvSpPr>
+        <p:spPr>
+          <a:xfrm>
+            <a:off x="4301275" y="3244433"/>
+            <a:ext cx="2340062" cy="925141"/>
+          </a:xfrm>
+          <a:prstGeom prst="rect">
+            <a:avLst/>
+          </a:prstGeom>
+          <a:solidFill>
+            <a:schemeClr val="accent4">
+              <a:lumMod val="60000"/>
+              <a:lumOff val="40000"/>
+            </a:schemeClr>
+          </a:solidFill>
+        </p:spPr>
+        <p:style>
+          <a:lnRef idx="2">
+            <a:schemeClr val="accent1">
+              <a:shade val="15000"/>
+            </a:schemeClr>
+          </a:lnRef>
+          <a:fillRef idx="1">
+            <a:schemeClr val="accent1"/>
+          </a:fillRef>
+          <a:effectRef idx="0">
+            <a:schemeClr val="accent1"/>
+          </a:effectRef>
+          <a:fontRef idx="minor">
+            <a:schemeClr val="lt1"/>
+          </a:fontRef>
+        </p:style>
+        <p:txBody>
+          <a:bodyPr rtlCol="0" anchor="ctr"/>
+          <a:lstStyle/>
+          <a:p>
+            <a:pPr algn="ctr"/>
+            <a:endParaRPr lang="en-CA"/>
+          </a:p>
+        </p:txBody>
+      </p:sp>
+      <p:sp>
+        <p:nvSpPr>
+          <p:cNvPr id="97" name="TextBox 96">
+            <a:extLst>
+              <a:ext uri="{FF2B5EF4-FFF2-40B4-BE49-F238E27FC236}">
+                <a16:creationId xmlns:a16="http://schemas.microsoft.com/office/drawing/2014/main" id="{1575BDF4-25BC-4BC9-95C3-F246F773209D}"/>
+              </a:ext>
+            </a:extLst>
+          </p:cNvPr>
+          <p:cNvSpPr txBox="1"/>
+          <p:nvPr/>
+        </p:nvSpPr>
+        <p:spPr>
+          <a:xfrm>
+            <a:off x="4330765" y="3277013"/>
+            <a:ext cx="955576" cy="461665"/>
+          </a:xfrm>
+          <a:prstGeom prst="rect">
+            <a:avLst/>
+          </a:prstGeom>
+          <a:noFill/>
+        </p:spPr>
+        <p:txBody>
+          <a:bodyPr wrap="square" rtlCol="0">
+            <a:spAutoFit/>
+          </a:bodyPr>
+          <a:lstStyle/>
+          <a:p>
+            <a:r>
+              <a:rPr lang="en-CA" sz="1200" dirty="0"/>
+              <a:t>Component</a:t>
+            </a:r>
+          </a:p>
+          <a:p>
+            <a:endParaRPr lang="en-CA" sz="1200" dirty="0"/>
+          </a:p>
+        </p:txBody>
+      </p:sp>
+      <p:sp>
+        <p:nvSpPr>
+          <p:cNvPr id="98" name="Rectangle: Rounded Corners 97">
+            <a:extLst>
+              <a:ext uri="{FF2B5EF4-FFF2-40B4-BE49-F238E27FC236}">
+                <a16:creationId xmlns:a16="http://schemas.microsoft.com/office/drawing/2014/main" id="{1E943194-2BA1-0A62-2CFA-7FF55C6115C0}"/>
+              </a:ext>
+            </a:extLst>
+          </p:cNvPr>
+          <p:cNvSpPr/>
+          <p:nvPr/>
+        </p:nvSpPr>
+        <p:spPr>
+          <a:xfrm>
+            <a:off x="4444938" y="3602240"/>
+            <a:ext cx="840657" cy="402841"/>
+          </a:xfrm>
+          <a:prstGeom prst="roundRect">
+            <a:avLst/>
+          </a:prstGeom>
+          <a:solidFill>
+            <a:schemeClr val="accent4">
+              <a:lumMod val="20000"/>
+              <a:lumOff val="80000"/>
+            </a:schemeClr>
+          </a:solidFill>
+        </p:spPr>
+        <p:style>
+          <a:lnRef idx="2">
+            <a:schemeClr val="accent1">
+              <a:shade val="15000"/>
+            </a:schemeClr>
+          </a:lnRef>
+          <a:fillRef idx="1">
+            <a:schemeClr val="accent1"/>
+          </a:fillRef>
+          <a:effectRef idx="0">
+            <a:schemeClr val="accent1"/>
+          </a:effectRef>
+          <a:fontRef idx="minor">
+            <a:schemeClr val="lt1"/>
+          </a:fontRef>
+        </p:style>
+        <p:txBody>
+          <a:bodyPr rtlCol="0" anchor="ctr"/>
+          <a:lstStyle/>
+          <a:p>
+            <a:pPr algn="ctr"/>
+            <a:r>
+              <a:rPr lang="en-CA" sz="1200" dirty="0">
+                <a:solidFill>
+                  <a:schemeClr val="tx1"/>
+                </a:solidFill>
+              </a:rPr>
+              <a:t>Store</a:t>
+            </a:r>
+          </a:p>
+        </p:txBody>
+      </p:sp>
+      <p:sp>
+        <p:nvSpPr>
+          <p:cNvPr id="99" name="Rectangle 98">
+            <a:extLst>
+              <a:ext uri="{FF2B5EF4-FFF2-40B4-BE49-F238E27FC236}">
+                <a16:creationId xmlns:a16="http://schemas.microsoft.com/office/drawing/2014/main" id="{AACE1860-2CB0-A6D8-501D-25ABB0BD01AD}"/>
+              </a:ext>
+            </a:extLst>
+          </p:cNvPr>
+          <p:cNvSpPr/>
+          <p:nvPr/>
+        </p:nvSpPr>
+        <p:spPr>
+          <a:xfrm>
+            <a:off x="6761214" y="3225497"/>
+            <a:ext cx="2340062" cy="925141"/>
+          </a:xfrm>
+          <a:prstGeom prst="rect">
+            <a:avLst/>
+          </a:prstGeom>
+          <a:solidFill>
+            <a:srgbClr val="E7E1E9"/>
+          </a:solidFill>
+        </p:spPr>
+        <p:style>
+          <a:lnRef idx="2">
+            <a:schemeClr val="accent1">
+              <a:shade val="15000"/>
+            </a:schemeClr>
+          </a:lnRef>
+          <a:fillRef idx="1">
+            <a:schemeClr val="accent1"/>
+          </a:fillRef>
+          <a:effectRef idx="0">
+            <a:schemeClr val="accent1"/>
+          </a:effectRef>
+          <a:fontRef idx="minor">
+            <a:schemeClr val="lt1"/>
+          </a:fontRef>
+        </p:style>
+        <p:txBody>
+          <a:bodyPr rtlCol="0" anchor="ctr"/>
+          <a:lstStyle/>
+          <a:p>
+            <a:pPr algn="ctr"/>
+            <a:endParaRPr lang="en-CA"/>
+          </a:p>
+        </p:txBody>
+      </p:sp>
+      <p:sp>
+        <p:nvSpPr>
+          <p:cNvPr id="100" name="TextBox 99">
+            <a:extLst>
+              <a:ext uri="{FF2B5EF4-FFF2-40B4-BE49-F238E27FC236}">
+                <a16:creationId xmlns:a16="http://schemas.microsoft.com/office/drawing/2014/main" id="{568D8B73-8E8E-CD62-5C19-7124D65E4656}"/>
+              </a:ext>
+            </a:extLst>
+          </p:cNvPr>
+          <p:cNvSpPr txBox="1"/>
+          <p:nvPr/>
+        </p:nvSpPr>
+        <p:spPr>
+          <a:xfrm>
+            <a:off x="6790704" y="3258077"/>
+            <a:ext cx="955576" cy="461665"/>
+          </a:xfrm>
+          <a:prstGeom prst="rect">
+            <a:avLst/>
+          </a:prstGeom>
+          <a:noFill/>
+        </p:spPr>
+        <p:txBody>
+          <a:bodyPr wrap="square" rtlCol="0">
+            <a:spAutoFit/>
+          </a:bodyPr>
+          <a:lstStyle/>
+          <a:p>
+            <a:r>
+              <a:rPr lang="en-CA" sz="1200" dirty="0"/>
+              <a:t>Component</a:t>
+            </a:r>
+          </a:p>
+          <a:p>
+            <a:endParaRPr lang="en-CA" sz="1200" dirty="0"/>
+          </a:p>
+        </p:txBody>
+      </p:sp>
+      <p:sp>
+        <p:nvSpPr>
+          <p:cNvPr id="101" name="Rectangle: Rounded Corners 100">
+            <a:extLst>
+              <a:ext uri="{FF2B5EF4-FFF2-40B4-BE49-F238E27FC236}">
+                <a16:creationId xmlns:a16="http://schemas.microsoft.com/office/drawing/2014/main" id="{0FA7FE5B-7C4B-45B4-7BC9-CEF39CB27EFB}"/>
+              </a:ext>
+            </a:extLst>
+          </p:cNvPr>
+          <p:cNvSpPr/>
+          <p:nvPr/>
+        </p:nvSpPr>
+        <p:spPr>
+          <a:xfrm>
+            <a:off x="7942737" y="3565877"/>
+            <a:ext cx="840657" cy="402841"/>
+          </a:xfrm>
+          <a:prstGeom prst="roundRect">
+            <a:avLst/>
+          </a:prstGeom>
+          <a:solidFill>
+            <a:schemeClr val="accent4">
+              <a:lumMod val="20000"/>
+              <a:lumOff val="80000"/>
+            </a:schemeClr>
+          </a:solidFill>
+        </p:spPr>
+        <p:style>
+          <a:lnRef idx="2">
+            <a:schemeClr val="accent1">
+              <a:shade val="15000"/>
+            </a:schemeClr>
+          </a:lnRef>
+          <a:fillRef idx="1">
+            <a:schemeClr val="accent1"/>
+          </a:fillRef>
+          <a:effectRef idx="0">
+            <a:schemeClr val="accent1"/>
+          </a:effectRef>
+          <a:fontRef idx="minor">
+            <a:schemeClr val="lt1"/>
+          </a:fontRef>
+        </p:style>
+        <p:txBody>
+          <a:bodyPr rtlCol="0" anchor="ctr"/>
+          <a:lstStyle/>
+          <a:p>
+            <a:pPr algn="ctr"/>
+            <a:r>
+              <a:rPr lang="en-CA" sz="1200" dirty="0">
+                <a:solidFill>
+                  <a:schemeClr val="tx1"/>
+                </a:solidFill>
+              </a:rPr>
+              <a:t>Store</a:t>
+            </a:r>
+          </a:p>
+        </p:txBody>
+      </p:sp>
+      <p:sp>
+        <p:nvSpPr>
+          <p:cNvPr id="102" name="TextBox 101">
+            <a:extLst>
+              <a:ext uri="{FF2B5EF4-FFF2-40B4-BE49-F238E27FC236}">
+                <a16:creationId xmlns:a16="http://schemas.microsoft.com/office/drawing/2014/main" id="{F77141DA-5FB6-5068-C2D0-A78F06901297}"/>
+              </a:ext>
+            </a:extLst>
+          </p:cNvPr>
+          <p:cNvSpPr txBox="1"/>
+          <p:nvPr/>
+        </p:nvSpPr>
+        <p:spPr>
+          <a:xfrm>
+            <a:off x="7010467" y="3629374"/>
+            <a:ext cx="513173" cy="276999"/>
+          </a:xfrm>
+          <a:prstGeom prst="rect">
+            <a:avLst/>
+          </a:prstGeom>
+          <a:noFill/>
+        </p:spPr>
+        <p:txBody>
+          <a:bodyPr wrap="square" rtlCol="0">
+            <a:spAutoFit/>
+          </a:bodyPr>
+          <a:lstStyle/>
+          <a:p>
+            <a:r>
+              <a:rPr lang="en-CA" sz="1200" dirty="0"/>
+              <a:t>Hub</a:t>
+            </a:r>
+          </a:p>
+        </p:txBody>
+      </p:sp>
+      <p:cxnSp>
+        <p:nvCxnSpPr>
+          <p:cNvPr id="103" name="Straight Arrow Connector 102">
+            <a:extLst>
+              <a:ext uri="{FF2B5EF4-FFF2-40B4-BE49-F238E27FC236}">
+                <a16:creationId xmlns:a16="http://schemas.microsoft.com/office/drawing/2014/main" id="{86F46F39-43D4-0C85-C6F9-6F164001DA4C}"/>
+              </a:ext>
+            </a:extLst>
+          </p:cNvPr>
+          <p:cNvCxnSpPr>
+            <a:cxnSpLocks/>
+          </p:cNvCxnSpPr>
+          <p:nvPr/>
+        </p:nvCxnSpPr>
+        <p:spPr>
+          <a:xfrm>
+            <a:off x="7599880" y="3767872"/>
+            <a:ext cx="325877" cy="0"/>
+          </a:xfrm>
+          <a:prstGeom prst="straightConnector1">
+            <a:avLst/>
+          </a:prstGeom>
+          <a:ln>
+            <a:solidFill>
+              <a:schemeClr val="tx1"/>
+            </a:solidFill>
+            <a:tailEnd type="triangle"/>
+          </a:ln>
+        </p:spPr>
+        <p:style>
+          <a:lnRef idx="1">
+            <a:schemeClr val="accent1"/>
+          </a:lnRef>
+          <a:fillRef idx="0">
+            <a:schemeClr val="accent1"/>
+          </a:fillRef>
+          <a:effectRef idx="0">
+            <a:schemeClr val="accent1"/>
+          </a:effectRef>
+          <a:fontRef idx="minor">
+            <a:schemeClr val="tx1"/>
+          </a:fontRef>
+        </p:style>
+      </p:cxnSp>
+      <p:sp>
+        <p:nvSpPr>
+          <p:cNvPr id="104" name="Oval 103">
+            <a:extLst>
+              <a:ext uri="{FF2B5EF4-FFF2-40B4-BE49-F238E27FC236}">
+                <a16:creationId xmlns:a16="http://schemas.microsoft.com/office/drawing/2014/main" id="{25F8866F-5A64-2C49-6610-4F8D4DC87146}"/>
+              </a:ext>
+            </a:extLst>
+          </p:cNvPr>
+          <p:cNvSpPr/>
+          <p:nvPr/>
+        </p:nvSpPr>
+        <p:spPr>
+          <a:xfrm>
+            <a:off x="6875382" y="3583208"/>
+            <a:ext cx="702398" cy="327478"/>
+          </a:xfrm>
+          <a:prstGeom prst="ellipse">
+            <a:avLst/>
+          </a:prstGeom>
+          <a:noFill/>
+          <a:ln w="25400">
+            <a:prstDash val="sysDot"/>
+          </a:ln>
+        </p:spPr>
+        <p:style>
+          <a:lnRef idx="2">
+            <a:schemeClr val="accent1">
+              <a:shade val="15000"/>
+            </a:schemeClr>
+          </a:lnRef>
+          <a:fillRef idx="1">
+            <a:schemeClr val="accent1"/>
+          </a:fillRef>
+          <a:effectRef idx="0">
+            <a:schemeClr val="accent1"/>
+          </a:effectRef>
+          <a:fontRef idx="minor">
+            <a:schemeClr val="lt1"/>
+          </a:fontRef>
+        </p:style>
+        <p:txBody>
+          <a:bodyPr rtlCol="0" anchor="ctr"/>
+          <a:lstStyle/>
+          <a:p>
+            <a:pPr algn="ctr"/>
+            <a:endParaRPr lang="en-CA"/>
+          </a:p>
+        </p:txBody>
+      </p:sp>
+      <p:sp>
+        <p:nvSpPr>
+          <p:cNvPr id="105" name="Rectangle 104">
+            <a:extLst>
+              <a:ext uri="{FF2B5EF4-FFF2-40B4-BE49-F238E27FC236}">
+                <a16:creationId xmlns:a16="http://schemas.microsoft.com/office/drawing/2014/main" id="{B80054FE-1BCA-FBA1-14E9-3FCA2CD6F207}"/>
+              </a:ext>
+            </a:extLst>
+          </p:cNvPr>
+          <p:cNvSpPr/>
+          <p:nvPr/>
+        </p:nvSpPr>
+        <p:spPr>
+          <a:xfrm>
+            <a:off x="1895824" y="4526849"/>
+            <a:ext cx="2340062" cy="925141"/>
+          </a:xfrm>
+          <a:prstGeom prst="rect">
+            <a:avLst/>
+          </a:prstGeom>
+          <a:solidFill>
+            <a:srgbClr val="E7E1E9"/>
+          </a:solidFill>
+        </p:spPr>
+        <p:style>
+          <a:lnRef idx="2">
+            <a:schemeClr val="accent1">
+              <a:shade val="15000"/>
+            </a:schemeClr>
+          </a:lnRef>
+          <a:fillRef idx="1">
+            <a:schemeClr val="accent1"/>
+          </a:fillRef>
+          <a:effectRef idx="0">
+            <a:schemeClr val="accent1"/>
+          </a:effectRef>
+          <a:fontRef idx="minor">
+            <a:schemeClr val="lt1"/>
+          </a:fontRef>
+        </p:style>
+        <p:txBody>
+          <a:bodyPr rtlCol="0" anchor="ctr"/>
+          <a:lstStyle/>
+          <a:p>
+            <a:pPr algn="ctr"/>
+            <a:endParaRPr lang="en-CA"/>
+          </a:p>
+        </p:txBody>
+      </p:sp>
+      <p:sp>
+        <p:nvSpPr>
+          <p:cNvPr id="106" name="TextBox 105">
+            <a:extLst>
+              <a:ext uri="{FF2B5EF4-FFF2-40B4-BE49-F238E27FC236}">
+                <a16:creationId xmlns:a16="http://schemas.microsoft.com/office/drawing/2014/main" id="{DB7A8B6D-EDEA-2A6A-E090-86BB980B6BE0}"/>
+              </a:ext>
+            </a:extLst>
+          </p:cNvPr>
+          <p:cNvSpPr txBox="1"/>
+          <p:nvPr/>
+        </p:nvSpPr>
+        <p:spPr>
+          <a:xfrm>
+            <a:off x="1925314" y="4559429"/>
+            <a:ext cx="955576" cy="461665"/>
+          </a:xfrm>
+          <a:prstGeom prst="rect">
+            <a:avLst/>
+          </a:prstGeom>
+          <a:noFill/>
+        </p:spPr>
+        <p:txBody>
+          <a:bodyPr wrap="square" rtlCol="0">
+            <a:spAutoFit/>
+          </a:bodyPr>
+          <a:lstStyle/>
+          <a:p>
+            <a:r>
+              <a:rPr lang="en-CA" sz="1200" dirty="0"/>
+              <a:t>Component</a:t>
+            </a:r>
+          </a:p>
+          <a:p>
+            <a:endParaRPr lang="en-CA" sz="1200" dirty="0"/>
+          </a:p>
+        </p:txBody>
+      </p:sp>
+      <p:sp>
+        <p:nvSpPr>
+          <p:cNvPr id="107" name="Rectangle: Rounded Corners 106">
+            <a:extLst>
+              <a:ext uri="{FF2B5EF4-FFF2-40B4-BE49-F238E27FC236}">
+                <a16:creationId xmlns:a16="http://schemas.microsoft.com/office/drawing/2014/main" id="{0DECEB16-5512-B5AA-5727-B0D61637173C}"/>
+              </a:ext>
+            </a:extLst>
+          </p:cNvPr>
+          <p:cNvSpPr/>
+          <p:nvPr/>
+        </p:nvSpPr>
+        <p:spPr>
+          <a:xfrm>
+            <a:off x="3077347" y="4867229"/>
+            <a:ext cx="840657" cy="402841"/>
+          </a:xfrm>
+          <a:prstGeom prst="roundRect">
+            <a:avLst/>
+          </a:prstGeom>
+          <a:solidFill>
+            <a:schemeClr val="accent4">
+              <a:lumMod val="20000"/>
+              <a:lumOff val="80000"/>
+            </a:schemeClr>
+          </a:solidFill>
+        </p:spPr>
+        <p:style>
+          <a:lnRef idx="2">
+            <a:schemeClr val="accent1">
+              <a:shade val="15000"/>
+            </a:schemeClr>
+          </a:lnRef>
+          <a:fillRef idx="1">
+            <a:schemeClr val="accent1"/>
+          </a:fillRef>
+          <a:effectRef idx="0">
+            <a:schemeClr val="accent1"/>
+          </a:effectRef>
+          <a:fontRef idx="minor">
+            <a:schemeClr val="lt1"/>
+          </a:fontRef>
+        </p:style>
+        <p:txBody>
+          <a:bodyPr rtlCol="0" anchor="ctr"/>
+          <a:lstStyle/>
+          <a:p>
+            <a:pPr algn="ctr"/>
+            <a:r>
+              <a:rPr lang="en-CA" sz="1200" dirty="0">
+                <a:solidFill>
+                  <a:schemeClr val="tx1"/>
+                </a:solidFill>
+              </a:rPr>
+              <a:t>Store</a:t>
+            </a:r>
+          </a:p>
+        </p:txBody>
+      </p:sp>
+      <p:sp>
+        <p:nvSpPr>
+          <p:cNvPr id="108" name="TextBox 107">
+            <a:extLst>
+              <a:ext uri="{FF2B5EF4-FFF2-40B4-BE49-F238E27FC236}">
+                <a16:creationId xmlns:a16="http://schemas.microsoft.com/office/drawing/2014/main" id="{22D9F977-89C9-2DD4-13ED-03A08A011381}"/>
+              </a:ext>
+            </a:extLst>
+          </p:cNvPr>
+          <p:cNvSpPr txBox="1"/>
+          <p:nvPr/>
+        </p:nvSpPr>
+        <p:spPr>
+          <a:xfrm>
+            <a:off x="2145077" y="4930726"/>
+            <a:ext cx="513173" cy="276999"/>
+          </a:xfrm>
+          <a:prstGeom prst="rect">
+            <a:avLst/>
+          </a:prstGeom>
+          <a:noFill/>
+        </p:spPr>
+        <p:txBody>
+          <a:bodyPr wrap="square" rtlCol="0">
+            <a:spAutoFit/>
+          </a:bodyPr>
+          <a:lstStyle/>
+          <a:p>
+            <a:r>
+              <a:rPr lang="en-CA" sz="1200" dirty="0"/>
+              <a:t>Hub</a:t>
+            </a:r>
+          </a:p>
+        </p:txBody>
+      </p:sp>
+      <p:cxnSp>
+        <p:nvCxnSpPr>
+          <p:cNvPr id="109" name="Straight Arrow Connector 108">
+            <a:extLst>
+              <a:ext uri="{FF2B5EF4-FFF2-40B4-BE49-F238E27FC236}">
+                <a16:creationId xmlns:a16="http://schemas.microsoft.com/office/drawing/2014/main" id="{3ADD2173-99BE-9CE5-8CE5-2435BD932E92}"/>
+              </a:ext>
+            </a:extLst>
+          </p:cNvPr>
+          <p:cNvCxnSpPr>
+            <a:cxnSpLocks/>
+          </p:cNvCxnSpPr>
+          <p:nvPr/>
+        </p:nvCxnSpPr>
+        <p:spPr>
+          <a:xfrm>
+            <a:off x="2734490" y="5069224"/>
+            <a:ext cx="325877" cy="0"/>
+          </a:xfrm>
+          <a:prstGeom prst="straightConnector1">
+            <a:avLst/>
+          </a:prstGeom>
+          <a:ln>
+            <a:solidFill>
+              <a:schemeClr val="tx1"/>
+            </a:solidFill>
+            <a:tailEnd type="triangle"/>
+          </a:ln>
+        </p:spPr>
+        <p:style>
+          <a:lnRef idx="1">
+            <a:schemeClr val="accent1"/>
+          </a:lnRef>
+          <a:fillRef idx="0">
+            <a:schemeClr val="accent1"/>
+          </a:fillRef>
+          <a:effectRef idx="0">
+            <a:schemeClr val="accent1"/>
+          </a:effectRef>
+          <a:fontRef idx="minor">
+            <a:schemeClr val="tx1"/>
+          </a:fontRef>
+        </p:style>
+      </p:cxnSp>
+      <p:sp>
+        <p:nvSpPr>
+          <p:cNvPr id="110" name="Oval 109">
+            <a:extLst>
+              <a:ext uri="{FF2B5EF4-FFF2-40B4-BE49-F238E27FC236}">
+                <a16:creationId xmlns:a16="http://schemas.microsoft.com/office/drawing/2014/main" id="{E167B221-C8E8-27B3-7909-1C75058EB3CA}"/>
+              </a:ext>
+            </a:extLst>
+          </p:cNvPr>
+          <p:cNvSpPr/>
+          <p:nvPr/>
+        </p:nvSpPr>
+        <p:spPr>
+          <a:xfrm>
+            <a:off x="2009992" y="4884560"/>
+            <a:ext cx="702398" cy="327478"/>
+          </a:xfrm>
+          <a:prstGeom prst="ellipse">
+            <a:avLst/>
+          </a:prstGeom>
+          <a:noFill/>
+          <a:ln w="25400">
+            <a:prstDash val="sysDot"/>
+          </a:ln>
+        </p:spPr>
+        <p:style>
+          <a:lnRef idx="2">
+            <a:schemeClr val="accent1">
+              <a:shade val="15000"/>
+            </a:schemeClr>
+          </a:lnRef>
+          <a:fillRef idx="1">
+            <a:schemeClr val="accent1"/>
+          </a:fillRef>
+          <a:effectRef idx="0">
+            <a:schemeClr val="accent1"/>
+          </a:effectRef>
+          <a:fontRef idx="minor">
+            <a:schemeClr val="lt1"/>
+          </a:fontRef>
+        </p:style>
+        <p:txBody>
+          <a:bodyPr rtlCol="0" anchor="ctr"/>
+          <a:lstStyle/>
+          <a:p>
+            <a:pPr algn="ctr"/>
+            <a:endParaRPr lang="en-CA"/>
+          </a:p>
+        </p:txBody>
+      </p:sp>
+      <p:sp>
+        <p:nvSpPr>
+          <p:cNvPr id="111" name="Rectangle 110">
+            <a:extLst>
+              <a:ext uri="{FF2B5EF4-FFF2-40B4-BE49-F238E27FC236}">
+                <a16:creationId xmlns:a16="http://schemas.microsoft.com/office/drawing/2014/main" id="{B4E65B50-7C06-682E-5C81-7817570C0D67}"/>
+              </a:ext>
+            </a:extLst>
+          </p:cNvPr>
+          <p:cNvSpPr/>
+          <p:nvPr/>
+        </p:nvSpPr>
+        <p:spPr>
+          <a:xfrm>
+            <a:off x="4312529" y="4526849"/>
+            <a:ext cx="2340062" cy="925141"/>
+          </a:xfrm>
+          <a:prstGeom prst="rect">
+            <a:avLst/>
+          </a:prstGeom>
+          <a:solidFill>
+            <a:srgbClr val="E7E1E9"/>
+          </a:solidFill>
+        </p:spPr>
+        <p:style>
+          <a:lnRef idx="2">
+            <a:schemeClr val="accent1">
+              <a:shade val="15000"/>
+            </a:schemeClr>
+          </a:lnRef>
+          <a:fillRef idx="1">
+            <a:schemeClr val="accent1"/>
+          </a:fillRef>
+          <a:effectRef idx="0">
+            <a:schemeClr val="accent1"/>
+          </a:effectRef>
+          <a:fontRef idx="minor">
+            <a:schemeClr val="lt1"/>
+          </a:fontRef>
+        </p:style>
+        <p:txBody>
+          <a:bodyPr rtlCol="0" anchor="ctr"/>
+          <a:lstStyle/>
+          <a:p>
+            <a:pPr algn="ctr"/>
+            <a:endParaRPr lang="en-CA"/>
+          </a:p>
+        </p:txBody>
+      </p:sp>
+      <p:sp>
+        <p:nvSpPr>
+          <p:cNvPr id="112" name="TextBox 111">
+            <a:extLst>
+              <a:ext uri="{FF2B5EF4-FFF2-40B4-BE49-F238E27FC236}">
+                <a16:creationId xmlns:a16="http://schemas.microsoft.com/office/drawing/2014/main" id="{AF98B11B-5DE4-BA8A-BC27-882CBE4FD3F8}"/>
+              </a:ext>
+            </a:extLst>
+          </p:cNvPr>
+          <p:cNvSpPr txBox="1"/>
+          <p:nvPr/>
+        </p:nvSpPr>
+        <p:spPr>
+          <a:xfrm>
+            <a:off x="4342019" y="4559429"/>
+            <a:ext cx="955576" cy="461665"/>
+          </a:xfrm>
+          <a:prstGeom prst="rect">
+            <a:avLst/>
+          </a:prstGeom>
+          <a:noFill/>
+        </p:spPr>
+        <p:txBody>
+          <a:bodyPr wrap="square" rtlCol="0">
+            <a:spAutoFit/>
+          </a:bodyPr>
+          <a:lstStyle/>
+          <a:p>
+            <a:r>
+              <a:rPr lang="en-CA" sz="1200" dirty="0"/>
+              <a:t>Component</a:t>
+            </a:r>
+          </a:p>
+          <a:p>
+            <a:endParaRPr lang="en-CA" sz="1200" dirty="0"/>
+          </a:p>
+        </p:txBody>
+      </p:sp>
+      <p:sp>
+        <p:nvSpPr>
+          <p:cNvPr id="113" name="Rectangle: Rounded Corners 112">
+            <a:extLst>
+              <a:ext uri="{FF2B5EF4-FFF2-40B4-BE49-F238E27FC236}">
+                <a16:creationId xmlns:a16="http://schemas.microsoft.com/office/drawing/2014/main" id="{712CD09C-267B-D649-7FCC-1109C33139BF}"/>
+              </a:ext>
+            </a:extLst>
+          </p:cNvPr>
+          <p:cNvSpPr/>
+          <p:nvPr/>
+        </p:nvSpPr>
+        <p:spPr>
+          <a:xfrm>
+            <a:off x="5494052" y="4867229"/>
+            <a:ext cx="840657" cy="402841"/>
+          </a:xfrm>
+          <a:prstGeom prst="roundRect">
+            <a:avLst/>
+          </a:prstGeom>
+          <a:solidFill>
+            <a:schemeClr val="accent4">
+              <a:lumMod val="20000"/>
+              <a:lumOff val="80000"/>
+            </a:schemeClr>
+          </a:solidFill>
+        </p:spPr>
+        <p:style>
+          <a:lnRef idx="2">
+            <a:schemeClr val="accent1">
+              <a:shade val="15000"/>
+            </a:schemeClr>
+          </a:lnRef>
+          <a:fillRef idx="1">
+            <a:schemeClr val="accent1"/>
+          </a:fillRef>
+          <a:effectRef idx="0">
+            <a:schemeClr val="accent1"/>
+          </a:effectRef>
+          <a:fontRef idx="minor">
+            <a:schemeClr val="lt1"/>
+          </a:fontRef>
+        </p:style>
+        <p:txBody>
+          <a:bodyPr rtlCol="0" anchor="ctr"/>
+          <a:lstStyle/>
+          <a:p>
+            <a:pPr algn="ctr"/>
+            <a:r>
+              <a:rPr lang="en-CA" sz="1200" dirty="0">
+                <a:solidFill>
+                  <a:schemeClr val="tx1"/>
+                </a:solidFill>
+              </a:rPr>
+              <a:t>Store</a:t>
+            </a:r>
+          </a:p>
+        </p:txBody>
+      </p:sp>
+      <p:sp>
+        <p:nvSpPr>
+          <p:cNvPr id="114" name="TextBox 113">
+            <a:extLst>
+              <a:ext uri="{FF2B5EF4-FFF2-40B4-BE49-F238E27FC236}">
+                <a16:creationId xmlns:a16="http://schemas.microsoft.com/office/drawing/2014/main" id="{481247CC-85E8-237A-F9DB-C711300F2433}"/>
+              </a:ext>
+            </a:extLst>
+          </p:cNvPr>
+          <p:cNvSpPr txBox="1"/>
+          <p:nvPr/>
+        </p:nvSpPr>
+        <p:spPr>
+          <a:xfrm>
+            <a:off x="4561782" y="4930726"/>
+            <a:ext cx="513173" cy="276999"/>
+          </a:xfrm>
+          <a:prstGeom prst="rect">
+            <a:avLst/>
+          </a:prstGeom>
+          <a:noFill/>
+        </p:spPr>
+        <p:txBody>
+          <a:bodyPr wrap="square" rtlCol="0">
+            <a:spAutoFit/>
+          </a:bodyPr>
+          <a:lstStyle/>
+          <a:p>
+            <a:r>
+              <a:rPr lang="en-CA" sz="1200" dirty="0"/>
+              <a:t>Hub</a:t>
+            </a:r>
+          </a:p>
+        </p:txBody>
+      </p:sp>
+      <p:cxnSp>
+        <p:nvCxnSpPr>
+          <p:cNvPr id="115" name="Straight Arrow Connector 114">
+            <a:extLst>
+              <a:ext uri="{FF2B5EF4-FFF2-40B4-BE49-F238E27FC236}">
+                <a16:creationId xmlns:a16="http://schemas.microsoft.com/office/drawing/2014/main" id="{2B62373D-3B90-FFA3-9BF8-02E79A4EC1D2}"/>
+              </a:ext>
+            </a:extLst>
+          </p:cNvPr>
+          <p:cNvCxnSpPr>
+            <a:cxnSpLocks/>
+          </p:cNvCxnSpPr>
+          <p:nvPr/>
+        </p:nvCxnSpPr>
+        <p:spPr>
+          <a:xfrm>
+            <a:off x="5151195" y="5069224"/>
+            <a:ext cx="325877" cy="0"/>
+          </a:xfrm>
+          <a:prstGeom prst="straightConnector1">
+            <a:avLst/>
+          </a:prstGeom>
+          <a:ln>
+            <a:solidFill>
+              <a:schemeClr val="tx1"/>
+            </a:solidFill>
+            <a:tailEnd type="triangle"/>
+          </a:ln>
+        </p:spPr>
+        <p:style>
+          <a:lnRef idx="1">
+            <a:schemeClr val="accent1"/>
+          </a:lnRef>
+          <a:fillRef idx="0">
+            <a:schemeClr val="accent1"/>
+          </a:fillRef>
+          <a:effectRef idx="0">
+            <a:schemeClr val="accent1"/>
+          </a:effectRef>
+          <a:fontRef idx="minor">
+            <a:schemeClr val="tx1"/>
+          </a:fontRef>
+        </p:style>
+      </p:cxnSp>
+      <p:sp>
+        <p:nvSpPr>
+          <p:cNvPr id="116" name="Oval 115">
+            <a:extLst>
+              <a:ext uri="{FF2B5EF4-FFF2-40B4-BE49-F238E27FC236}">
+                <a16:creationId xmlns:a16="http://schemas.microsoft.com/office/drawing/2014/main" id="{01FA67C6-29A6-AFD1-B144-4D3996294C08}"/>
+              </a:ext>
+            </a:extLst>
+          </p:cNvPr>
+          <p:cNvSpPr/>
+          <p:nvPr/>
+        </p:nvSpPr>
+        <p:spPr>
+          <a:xfrm>
+            <a:off x="4426697" y="4884560"/>
+            <a:ext cx="702398" cy="327478"/>
+          </a:xfrm>
+          <a:prstGeom prst="ellipse">
+            <a:avLst/>
+          </a:prstGeom>
+          <a:noFill/>
+          <a:ln w="25400">
+            <a:prstDash val="sysDot"/>
+          </a:ln>
+        </p:spPr>
+        <p:style>
+          <a:lnRef idx="2">
+            <a:schemeClr val="accent1">
+              <a:shade val="15000"/>
+            </a:schemeClr>
+          </a:lnRef>
+          <a:fillRef idx="1">
+            <a:schemeClr val="accent1"/>
+          </a:fillRef>
+          <a:effectRef idx="0">
+            <a:schemeClr val="accent1"/>
+          </a:effectRef>
+          <a:fontRef idx="minor">
+            <a:schemeClr val="lt1"/>
+          </a:fontRef>
+        </p:style>
+        <p:txBody>
+          <a:bodyPr rtlCol="0" anchor="ctr"/>
+          <a:lstStyle/>
+          <a:p>
+            <a:pPr algn="ctr"/>
+            <a:endParaRPr lang="en-CA"/>
+          </a:p>
+        </p:txBody>
+      </p:sp>
+      <p:sp>
+        <p:nvSpPr>
+          <p:cNvPr id="117" name="Rectangle 116">
+            <a:extLst>
+              <a:ext uri="{FF2B5EF4-FFF2-40B4-BE49-F238E27FC236}">
+                <a16:creationId xmlns:a16="http://schemas.microsoft.com/office/drawing/2014/main" id="{F679DBC3-0DD8-6086-E9ED-B5398B7521A9}"/>
+              </a:ext>
+            </a:extLst>
+          </p:cNvPr>
+          <p:cNvSpPr/>
+          <p:nvPr/>
+        </p:nvSpPr>
+        <p:spPr>
+          <a:xfrm>
+            <a:off x="6818131" y="4501902"/>
+            <a:ext cx="2340062" cy="925141"/>
+          </a:xfrm>
+          <a:prstGeom prst="rect">
+            <a:avLst/>
+          </a:prstGeom>
+          <a:solidFill>
+            <a:srgbClr val="E7E1E9"/>
+          </a:solidFill>
+        </p:spPr>
+        <p:style>
+          <a:lnRef idx="2">
+            <a:schemeClr val="accent1">
+              <a:shade val="15000"/>
+            </a:schemeClr>
+          </a:lnRef>
+          <a:fillRef idx="1">
+            <a:schemeClr val="accent1"/>
+          </a:fillRef>
+          <a:effectRef idx="0">
+            <a:schemeClr val="accent1"/>
+          </a:effectRef>
+          <a:fontRef idx="minor">
+            <a:schemeClr val="lt1"/>
+          </a:fontRef>
+        </p:style>
+        <p:txBody>
+          <a:bodyPr rtlCol="0" anchor="ctr"/>
+          <a:lstStyle/>
+          <a:p>
+            <a:pPr algn="ctr"/>
+            <a:endParaRPr lang="en-CA"/>
+          </a:p>
+        </p:txBody>
+      </p:sp>
+      <p:sp>
+        <p:nvSpPr>
+          <p:cNvPr id="118" name="TextBox 117">
+            <a:extLst>
+              <a:ext uri="{FF2B5EF4-FFF2-40B4-BE49-F238E27FC236}">
+                <a16:creationId xmlns:a16="http://schemas.microsoft.com/office/drawing/2014/main" id="{AFC60497-FBBC-B29A-1778-96DFA9B03A00}"/>
+              </a:ext>
+            </a:extLst>
+          </p:cNvPr>
+          <p:cNvSpPr txBox="1"/>
+          <p:nvPr/>
+        </p:nvSpPr>
+        <p:spPr>
+          <a:xfrm>
+            <a:off x="6847621" y="4534482"/>
+            <a:ext cx="955576" cy="461665"/>
+          </a:xfrm>
+          <a:prstGeom prst="rect">
+            <a:avLst/>
+          </a:prstGeom>
+          <a:noFill/>
+        </p:spPr>
+        <p:txBody>
+          <a:bodyPr wrap="square" rtlCol="0">
+            <a:spAutoFit/>
+          </a:bodyPr>
+          <a:lstStyle/>
+          <a:p>
+            <a:r>
+              <a:rPr lang="en-CA" sz="1200" dirty="0"/>
+              <a:t>Component</a:t>
+            </a:r>
+          </a:p>
+          <a:p>
+            <a:endParaRPr lang="en-CA" sz="1200" dirty="0"/>
+          </a:p>
+        </p:txBody>
+      </p:sp>
+      <p:sp>
+        <p:nvSpPr>
+          <p:cNvPr id="119" name="Rectangle: Rounded Corners 118">
+            <a:extLst>
+              <a:ext uri="{FF2B5EF4-FFF2-40B4-BE49-F238E27FC236}">
+                <a16:creationId xmlns:a16="http://schemas.microsoft.com/office/drawing/2014/main" id="{BF7C896F-9F5B-E95E-E53E-E52938DAA459}"/>
+              </a:ext>
+            </a:extLst>
+          </p:cNvPr>
+          <p:cNvSpPr/>
+          <p:nvPr/>
+        </p:nvSpPr>
+        <p:spPr>
+          <a:xfrm>
+            <a:off x="7999654" y="4842282"/>
+            <a:ext cx="840657" cy="402841"/>
+          </a:xfrm>
+          <a:prstGeom prst="roundRect">
+            <a:avLst/>
+          </a:prstGeom>
+          <a:solidFill>
+            <a:schemeClr val="accent4">
+              <a:lumMod val="20000"/>
+              <a:lumOff val="80000"/>
+            </a:schemeClr>
+          </a:solidFill>
+        </p:spPr>
+        <p:style>
+          <a:lnRef idx="2">
+            <a:schemeClr val="accent1">
+              <a:shade val="15000"/>
+            </a:schemeClr>
+          </a:lnRef>
+          <a:fillRef idx="1">
+            <a:schemeClr val="accent1"/>
+          </a:fillRef>
+          <a:effectRef idx="0">
+            <a:schemeClr val="accent1"/>
+          </a:effectRef>
+          <a:fontRef idx="minor">
+            <a:schemeClr val="lt1"/>
+          </a:fontRef>
+        </p:style>
+        <p:txBody>
+          <a:bodyPr rtlCol="0" anchor="ctr"/>
+          <a:lstStyle/>
+          <a:p>
+            <a:pPr algn="ctr"/>
+            <a:r>
+              <a:rPr lang="en-CA" sz="1200" dirty="0">
+                <a:solidFill>
+                  <a:schemeClr val="tx1"/>
+                </a:solidFill>
+              </a:rPr>
+              <a:t>Store</a:t>
+            </a:r>
+          </a:p>
+        </p:txBody>
+      </p:sp>
+      <p:sp>
+        <p:nvSpPr>
+          <p:cNvPr id="120" name="TextBox 119">
+            <a:extLst>
+              <a:ext uri="{FF2B5EF4-FFF2-40B4-BE49-F238E27FC236}">
+                <a16:creationId xmlns:a16="http://schemas.microsoft.com/office/drawing/2014/main" id="{3E00DBFE-284A-BF8E-F683-929DF79B6005}"/>
+              </a:ext>
+            </a:extLst>
+          </p:cNvPr>
+          <p:cNvSpPr txBox="1"/>
+          <p:nvPr/>
+        </p:nvSpPr>
+        <p:spPr>
+          <a:xfrm>
+            <a:off x="7067384" y="4905779"/>
+            <a:ext cx="513173" cy="276999"/>
+          </a:xfrm>
+          <a:prstGeom prst="rect">
+            <a:avLst/>
+          </a:prstGeom>
+          <a:noFill/>
+        </p:spPr>
+        <p:txBody>
+          <a:bodyPr wrap="square" rtlCol="0">
+            <a:spAutoFit/>
+          </a:bodyPr>
+          <a:lstStyle/>
+          <a:p>
+            <a:r>
+              <a:rPr lang="en-CA" sz="1200" dirty="0"/>
+              <a:t>Hub</a:t>
+            </a:r>
+          </a:p>
+        </p:txBody>
+      </p:sp>
+      <p:cxnSp>
+        <p:nvCxnSpPr>
+          <p:cNvPr id="121" name="Straight Arrow Connector 120">
+            <a:extLst>
+              <a:ext uri="{FF2B5EF4-FFF2-40B4-BE49-F238E27FC236}">
+                <a16:creationId xmlns:a16="http://schemas.microsoft.com/office/drawing/2014/main" id="{380E5CE8-E860-3DEE-40C1-CE975B8AB7EC}"/>
+              </a:ext>
+            </a:extLst>
+          </p:cNvPr>
+          <p:cNvCxnSpPr>
+            <a:cxnSpLocks/>
+          </p:cNvCxnSpPr>
+          <p:nvPr/>
+        </p:nvCxnSpPr>
+        <p:spPr>
+          <a:xfrm>
+            <a:off x="7656797" y="5044277"/>
+            <a:ext cx="325877" cy="0"/>
+          </a:xfrm>
+          <a:prstGeom prst="straightConnector1">
+            <a:avLst/>
+          </a:prstGeom>
+          <a:ln>
+            <a:solidFill>
+              <a:schemeClr val="tx1"/>
+            </a:solidFill>
+            <a:tailEnd type="triangle"/>
+          </a:ln>
+        </p:spPr>
+        <p:style>
+          <a:lnRef idx="1">
+            <a:schemeClr val="accent1"/>
+          </a:lnRef>
+          <a:fillRef idx="0">
+            <a:schemeClr val="accent1"/>
+          </a:fillRef>
+          <a:effectRef idx="0">
+            <a:schemeClr val="accent1"/>
+          </a:effectRef>
+          <a:fontRef idx="minor">
+            <a:schemeClr val="tx1"/>
+          </a:fontRef>
+        </p:style>
+      </p:cxnSp>
+      <p:sp>
+        <p:nvSpPr>
+          <p:cNvPr id="122" name="Oval 121">
+            <a:extLst>
+              <a:ext uri="{FF2B5EF4-FFF2-40B4-BE49-F238E27FC236}">
+                <a16:creationId xmlns:a16="http://schemas.microsoft.com/office/drawing/2014/main" id="{6136D0EC-7664-2E5E-0063-E0128B836048}"/>
+              </a:ext>
+            </a:extLst>
+          </p:cNvPr>
+          <p:cNvSpPr/>
+          <p:nvPr/>
+        </p:nvSpPr>
+        <p:spPr>
+          <a:xfrm>
+            <a:off x="6932299" y="4859613"/>
+            <a:ext cx="702398" cy="327478"/>
+          </a:xfrm>
+          <a:prstGeom prst="ellipse">
+            <a:avLst/>
+          </a:prstGeom>
+          <a:noFill/>
+          <a:ln w="25400">
+            <a:prstDash val="sysDot"/>
+          </a:ln>
+        </p:spPr>
+        <p:style>
+          <a:lnRef idx="2">
+            <a:schemeClr val="accent1">
+              <a:shade val="15000"/>
+            </a:schemeClr>
+          </a:lnRef>
+          <a:fillRef idx="1">
+            <a:schemeClr val="accent1"/>
+          </a:fillRef>
+          <a:effectRef idx="0">
+            <a:schemeClr val="accent1"/>
+          </a:effectRef>
+          <a:fontRef idx="minor">
+            <a:schemeClr val="lt1"/>
+          </a:fontRef>
+        </p:style>
+        <p:txBody>
+          <a:bodyPr rtlCol="0" anchor="ctr"/>
+          <a:lstStyle/>
+          <a:p>
+            <a:pPr algn="ctr"/>
+            <a:endParaRPr lang="en-CA"/>
+          </a:p>
+        </p:txBody>
+      </p:sp>
+      <p:cxnSp>
+        <p:nvCxnSpPr>
+          <p:cNvPr id="123" name="Straight Arrow Connector 122">
+            <a:extLst>
+              <a:ext uri="{FF2B5EF4-FFF2-40B4-BE49-F238E27FC236}">
+                <a16:creationId xmlns:a16="http://schemas.microsoft.com/office/drawing/2014/main" id="{2C1CB61A-19A4-BC19-96D9-D417DD584053}"/>
+              </a:ext>
+            </a:extLst>
+          </p:cNvPr>
+          <p:cNvCxnSpPr>
+            <a:cxnSpLocks/>
+          </p:cNvCxnSpPr>
+          <p:nvPr/>
+        </p:nvCxnSpPr>
+        <p:spPr>
+          <a:xfrm>
+            <a:off x="2526018" y="2933365"/>
+            <a:ext cx="1735037" cy="672387"/>
+          </a:xfrm>
+          <a:prstGeom prst="straightConnector1">
+            <a:avLst/>
+          </a:prstGeom>
+          <a:ln>
+            <a:solidFill>
+              <a:schemeClr val="tx1"/>
+            </a:solidFill>
+            <a:tailEnd type="triangle"/>
+          </a:ln>
+        </p:spPr>
+        <p:style>
+          <a:lnRef idx="1">
+            <a:schemeClr val="accent1"/>
+          </a:lnRef>
+          <a:fillRef idx="0">
+            <a:schemeClr val="accent1"/>
+          </a:fillRef>
+          <a:effectRef idx="0">
+            <a:schemeClr val="accent1"/>
+          </a:effectRef>
+          <a:fontRef idx="minor">
+            <a:schemeClr val="tx1"/>
+          </a:fontRef>
+        </p:style>
+      </p:cxnSp>
+    </p:spTree>
+    <p:extLst>
+      <p:ext uri="{BB962C8B-B14F-4D97-AF65-F5344CB8AC3E}">
+        <p14:creationId xmlns:p14="http://schemas.microsoft.com/office/powerpoint/2010/main" val="779916564"/>
       </p:ext>
     </p:extLst>
   </p:cSld>
